--- a/Course Project.pptx
+++ b/Course Project.pptx
@@ -14,7 +14,8 @@
     <p:sldId id="262" r:id="rId8"/>
     <p:sldId id="263" r:id="rId9"/>
     <p:sldId id="264" r:id="rId10"/>
-    <p:sldId id="265" r:id="rId11"/>
+    <p:sldId id="266" r:id="rId11"/>
+    <p:sldId id="265" r:id="rId12"/>
   </p:sldIdLst>
   <p:sldSz cx="9144000" cy="6858000" type="screen4x3"/>
   <p:notesSz cx="6858000" cy="9144000"/>
@@ -113,6 +114,22 @@
       </a:defRPr>
     </a:lvl9pPr>
   </p:defaultTextStyle>
+  <p:extLst>
+    <p:ext uri="{EFAFB233-063F-42B5-8137-9DF3F51BA10A}">
+      <p15:sldGuideLst xmlns:p15="http://schemas.microsoft.com/office/powerpoint/2012/main">
+        <p15:guide id="1" orient="horz" pos="2160">
+          <p15:clr>
+            <a:srgbClr val="A4A3A4"/>
+          </p15:clr>
+        </p15:guide>
+        <p15:guide id="2" pos="2880">
+          <p15:clr>
+            <a:srgbClr val="A4A3A4"/>
+          </p15:clr>
+        </p15:guide>
+      </p15:sldGuideLst>
+    </p:ext>
+  </p:extLst>
 </p:presentation>
 </file>
 
@@ -297,7 +314,7 @@
           <a:p>
             <a:fld id="{B4C71EC6-210F-42DE-9C53-41977AD35B3D}" type="datetimeFigureOut">
               <a:rPr lang="ru-RU" smtClean="0"/>
-              <a:t>20.12.2018</a:t>
+              <a:t>23.12.2018</a:t>
             </a:fld>
             <a:endParaRPr lang="ru-RU"/>
           </a:p>
@@ -462,7 +479,7 @@
           <a:p>
             <a:fld id="{B4C71EC6-210F-42DE-9C53-41977AD35B3D}" type="datetimeFigureOut">
               <a:rPr lang="ru-RU" smtClean="0"/>
-              <a:t>20.12.2018</a:t>
+              <a:t>23.12.2018</a:t>
             </a:fld>
             <a:endParaRPr lang="ru-RU"/>
           </a:p>
@@ -637,7 +654,7 @@
           <a:p>
             <a:fld id="{B4C71EC6-210F-42DE-9C53-41977AD35B3D}" type="datetimeFigureOut">
               <a:rPr lang="ru-RU" smtClean="0"/>
-              <a:t>20.12.2018</a:t>
+              <a:t>23.12.2018</a:t>
             </a:fld>
             <a:endParaRPr lang="ru-RU"/>
           </a:p>
@@ -802,7 +819,7 @@
           <a:p>
             <a:fld id="{B4C71EC6-210F-42DE-9C53-41977AD35B3D}" type="datetimeFigureOut">
               <a:rPr lang="ru-RU" smtClean="0"/>
-              <a:t>20.12.2018</a:t>
+              <a:t>23.12.2018</a:t>
             </a:fld>
             <a:endParaRPr lang="ru-RU"/>
           </a:p>
@@ -1043,7 +1060,7 @@
           <a:p>
             <a:fld id="{B4C71EC6-210F-42DE-9C53-41977AD35B3D}" type="datetimeFigureOut">
               <a:rPr lang="ru-RU" smtClean="0"/>
-              <a:t>20.12.2018</a:t>
+              <a:t>23.12.2018</a:t>
             </a:fld>
             <a:endParaRPr lang="ru-RU"/>
           </a:p>
@@ -1326,7 +1343,7 @@
           <a:p>
             <a:fld id="{B4C71EC6-210F-42DE-9C53-41977AD35B3D}" type="datetimeFigureOut">
               <a:rPr lang="ru-RU" smtClean="0"/>
-              <a:t>20.12.2018</a:t>
+              <a:t>23.12.2018</a:t>
             </a:fld>
             <a:endParaRPr lang="ru-RU"/>
           </a:p>
@@ -1743,7 +1760,7 @@
           <a:p>
             <a:fld id="{B4C71EC6-210F-42DE-9C53-41977AD35B3D}" type="datetimeFigureOut">
               <a:rPr lang="ru-RU" smtClean="0"/>
-              <a:t>20.12.2018</a:t>
+              <a:t>23.12.2018</a:t>
             </a:fld>
             <a:endParaRPr lang="ru-RU"/>
           </a:p>
@@ -1856,7 +1873,7 @@
           <a:p>
             <a:fld id="{B4C71EC6-210F-42DE-9C53-41977AD35B3D}" type="datetimeFigureOut">
               <a:rPr lang="ru-RU" smtClean="0"/>
-              <a:t>20.12.2018</a:t>
+              <a:t>23.12.2018</a:t>
             </a:fld>
             <a:endParaRPr lang="ru-RU"/>
           </a:p>
@@ -1946,7 +1963,7 @@
           <a:p>
             <a:fld id="{B4C71EC6-210F-42DE-9C53-41977AD35B3D}" type="datetimeFigureOut">
               <a:rPr lang="ru-RU" smtClean="0"/>
-              <a:t>20.12.2018</a:t>
+              <a:t>23.12.2018</a:t>
             </a:fld>
             <a:endParaRPr lang="ru-RU"/>
           </a:p>
@@ -2218,7 +2235,7 @@
           <a:p>
             <a:fld id="{B4C71EC6-210F-42DE-9C53-41977AD35B3D}" type="datetimeFigureOut">
               <a:rPr lang="ru-RU" smtClean="0"/>
-              <a:t>20.12.2018</a:t>
+              <a:t>23.12.2018</a:t>
             </a:fld>
             <a:endParaRPr lang="ru-RU"/>
           </a:p>
@@ -2466,7 +2483,7 @@
           <a:p>
             <a:fld id="{B4C71EC6-210F-42DE-9C53-41977AD35B3D}" type="datetimeFigureOut">
               <a:rPr lang="ru-RU" smtClean="0"/>
-              <a:t>20.12.2018</a:t>
+              <a:t>23.12.2018</a:t>
             </a:fld>
             <a:endParaRPr lang="ru-RU"/>
           </a:p>
@@ -2674,7 +2691,7 @@
           <a:p>
             <a:fld id="{B4C71EC6-210F-42DE-9C53-41977AD35B3D}" type="datetimeFigureOut">
               <a:rPr lang="ru-RU" smtClean="0"/>
-              <a:t>20.12.2018</a:t>
+              <a:t>23.12.2018</a:t>
             </a:fld>
             <a:endParaRPr lang="ru-RU"/>
           </a:p>
@@ -3151,6 +3168,102 @@
       </p:grpSpPr>
       <p:sp>
         <p:nvSpPr>
+          <p:cNvPr id="4" name="Заголовок 1"/>
+          <p:cNvSpPr>
+            <a:spLocks noGrp="1"/>
+          </p:cNvSpPr>
+          <p:nvPr>
+            <p:ph type="title"/>
+          </p:nvPr>
+        </p:nvSpPr>
+        <p:spPr/>
+        <p:txBody>
+          <a:bodyPr>
+            <a:normAutofit fontScale="90000"/>
+          </a:bodyPr>
+          <a:lstStyle/>
+          <a:p>
+            <a:r>
+              <a:rPr lang="ru-RU" dirty="0"/>
+              <a:t>Трекинг и подсчет числа </a:t>
+            </a:r>
+            <a:r>
+              <a:rPr lang="ru-RU" dirty="0" smtClean="0"/>
+              <a:t>объектов</a:t>
+            </a:r>
+            <a:endParaRPr lang="ru-RU" dirty="0"/>
+          </a:p>
+        </p:txBody>
+      </p:sp>
+      <p:pic>
+        <p:nvPicPr>
+          <p:cNvPr id="5" name="Рисунок 4"/>
+          <p:cNvPicPr>
+            <a:picLocks noChangeAspect="1"/>
+          </p:cNvPicPr>
+          <p:nvPr/>
+        </p:nvPicPr>
+        <p:blipFill>
+          <a:blip r:embed="rId2">
+            <a:extLst>
+              <a:ext uri="{28A0092B-C50C-407E-A947-70E740481C1C}">
+                <a14:useLocalDpi xmlns:a14="http://schemas.microsoft.com/office/drawing/2010/main" val="0"/>
+              </a:ext>
+            </a:extLst>
+          </a:blip>
+          <a:stretch>
+            <a:fillRect/>
+          </a:stretch>
+        </p:blipFill>
+        <p:spPr>
+          <a:xfrm>
+            <a:off x="1043608" y="1268760"/>
+            <a:ext cx="7183078" cy="5395738"/>
+          </a:xfrm>
+          <a:prstGeom prst="rect">
+            <a:avLst/>
+          </a:prstGeom>
+        </p:spPr>
+      </p:pic>
+    </p:spTree>
+    <p:extLst>
+      <p:ext uri="{BB962C8B-B14F-4D97-AF65-F5344CB8AC3E}">
+        <p14:creationId xmlns:p14="http://schemas.microsoft.com/office/powerpoint/2010/main" val="652513578"/>
+      </p:ext>
+    </p:extLst>
+  </p:cSld>
+  <p:clrMapOvr>
+    <a:masterClrMapping/>
+  </p:clrMapOvr>
+  <p:timing>
+    <p:tnLst>
+      <p:par>
+        <p:cTn id="1" dur="indefinite" restart="never" nodeType="tmRoot"/>
+      </p:par>
+    </p:tnLst>
+  </p:timing>
+</p:sld>
+</file>
+
+<file path=ppt/slides/slide11.xml><?xml version="1.0" encoding="utf-8"?>
+<p:sld xmlns:a="http://schemas.openxmlformats.org/drawingml/2006/main" xmlns:r="http://schemas.openxmlformats.org/officeDocument/2006/relationships" xmlns:p="http://schemas.openxmlformats.org/presentationml/2006/main">
+  <p:cSld>
+    <p:spTree>
+      <p:nvGrpSpPr>
+        <p:cNvPr id="1" name=""/>
+        <p:cNvGrpSpPr/>
+        <p:nvPr/>
+      </p:nvGrpSpPr>
+      <p:grpSpPr>
+        <a:xfrm>
+          <a:off x="0" y="0"/>
+          <a:ext cx="0" cy="0"/>
+          <a:chOff x="0" y="0"/>
+          <a:chExt cx="0" cy="0"/>
+        </a:xfrm>
+      </p:grpSpPr>
+      <p:sp>
+        <p:nvSpPr>
           <p:cNvPr id="2" name="Заголовок 1"/>
           <p:cNvSpPr>
             <a:spLocks noGrp="1"/>
@@ -3159,7 +3272,12 @@
             <p:ph type="title"/>
           </p:nvPr>
         </p:nvSpPr>
-        <p:spPr/>
+        <p:spPr>
+          <a:xfrm>
+            <a:off x="457200" y="269776"/>
+            <a:ext cx="8229600" cy="1143000"/>
+          </a:xfrm>
+        </p:spPr>
         <p:txBody>
           <a:bodyPr/>
           <a:lstStyle/>
@@ -3182,12 +3300,50 @@
             <p:ph idx="1"/>
           </p:nvPr>
         </p:nvSpPr>
-        <p:spPr/>
-        <p:txBody>
-          <a:bodyPr/>
+        <p:spPr>
+          <a:xfrm>
+            <a:off x="493204" y="2420888"/>
+            <a:ext cx="8229600" cy="2232248"/>
+          </a:xfrm>
+        </p:spPr>
+        <p:txBody>
+          <a:bodyPr>
+            <a:normAutofit/>
+          </a:bodyPr>
           <a:lstStyle/>
           <a:p>
-            <a:endParaRPr lang="ru-RU" dirty="0"/>
+            <a:r>
+              <a:rPr lang="ru-RU" dirty="0" smtClean="0"/>
+              <a:t>Всего найдено – 314/322 автомобилей</a:t>
+            </a:r>
+            <a:r>
+              <a:rPr lang="ru-RU" dirty="0"/>
+              <a:t> </a:t>
+            </a:r>
+            <a:endParaRPr lang="en-US" dirty="0"/>
+          </a:p>
+          <a:p>
+            <a:r>
+              <a:rPr lang="ru-RU" dirty="0" smtClean="0"/>
+              <a:t>Набрано </a:t>
+            </a:r>
+            <a:r>
+              <a:rPr lang="en-US" dirty="0" smtClean="0"/>
+              <a:t>1045/1611</a:t>
+            </a:r>
+            <a:r>
+              <a:rPr lang="ru-RU" dirty="0" smtClean="0"/>
+              <a:t> очков</a:t>
+            </a:r>
+            <a:r>
+              <a:rPr lang="en-US" dirty="0" smtClean="0"/>
+              <a:t> (</a:t>
+            </a:r>
+            <a:r>
+              <a:rPr lang="ru-RU" dirty="0" smtClean="0"/>
+              <a:t>окно - 200мс)</a:t>
+            </a:r>
+            <a:endParaRPr lang="ru-RU" dirty="0" smtClean="0"/>
           </a:p>
         </p:txBody>
       </p:sp>
@@ -3598,8 +3754,8 @@
           </a:fontRef>
         </p:style>
       </p:cxnSp>
-      <mc:AlternateContent xmlns:mc="http://schemas.openxmlformats.org/markup-compatibility/2006">
-        <mc:Choice xmlns:a14="http://schemas.microsoft.com/office/drawing/2010/main" Requires="a14">
+      <mc:AlternateContent xmlns:mc="http://schemas.openxmlformats.org/markup-compatibility/2006" xmlns:a14="http://schemas.microsoft.com/office/drawing/2010/main">
+        <mc:Choice Requires="a14">
           <p:sp>
             <p:nvSpPr>
               <p:cNvPr id="24" name="TextBox 23"/>
@@ -3622,6 +3778,7 @@
               </a:bodyPr>
               <a:lstStyle/>
               <a:p>
+                <a:pPr/>
                 <a14:m>
                   <m:oMathPara xmlns:m="http://schemas.openxmlformats.org/officeDocument/2006/math">
                     <m:oMathParaPr>
@@ -3638,7 +3795,7 @@
                         <m:dPr>
                           <m:ctrlPr>
                             <a:rPr lang="en-US" b="0" i="1" smtClean="0">
-                              <a:latin typeface="Cambria Math"/>
+                              <a:latin typeface="Cambria Math" panose="02040503050406030204" pitchFamily="18" charset="0"/>
                             </a:rPr>
                           </m:ctrlPr>
                         </m:dPr>
@@ -3671,7 +3828,7 @@
             </p:txBody>
           </p:sp>
         </mc:Choice>
-        <mc:Fallback>
+        <mc:Fallback xmlns="">
           <p:sp>
             <p:nvSpPr>
               <p:cNvPr id="24" name="TextBox 23"/>
@@ -3710,8 +3867,8 @@
           </p:sp>
         </mc:Fallback>
       </mc:AlternateContent>
-      <mc:AlternateContent xmlns:mc="http://schemas.openxmlformats.org/markup-compatibility/2006">
-        <mc:Choice xmlns:a14="http://schemas.microsoft.com/office/drawing/2010/main" Requires="a14">
+      <mc:AlternateContent xmlns:mc="http://schemas.openxmlformats.org/markup-compatibility/2006" xmlns:a14="http://schemas.microsoft.com/office/drawing/2010/main">
+        <mc:Choice Requires="a14">
           <p:sp>
             <p:nvSpPr>
               <p:cNvPr id="25" name="TextBox 24"/>
@@ -3734,6 +3891,7 @@
               </a:bodyPr>
               <a:lstStyle/>
               <a:p>
+                <a:pPr/>
                 <a14:m>
                   <m:oMathPara xmlns:m="http://schemas.openxmlformats.org/officeDocument/2006/math">
                     <m:oMathParaPr>
@@ -3744,7 +3902,7 @@
                         <m:sSupPr>
                           <m:ctrlPr>
                             <a:rPr lang="en-US" b="0" i="1" smtClean="0">
-                              <a:latin typeface="Cambria Math"/>
+                              <a:latin typeface="Cambria Math" panose="02040503050406030204" pitchFamily="18" charset="0"/>
                             </a:rPr>
                           </m:ctrlPr>
                         </m:sSupPr>
@@ -3769,7 +3927,7 @@
                         <m:dPr>
                           <m:ctrlPr>
                             <a:rPr lang="en-US" b="0" i="1" smtClean="0">
-                              <a:latin typeface="Cambria Math"/>
+                              <a:latin typeface="Cambria Math" panose="02040503050406030204" pitchFamily="18" charset="0"/>
                             </a:rPr>
                           </m:ctrlPr>
                         </m:dPr>
@@ -3802,7 +3960,7 @@
             </p:txBody>
           </p:sp>
         </mc:Choice>
-        <mc:Fallback>
+        <mc:Fallback xmlns="">
           <p:sp>
             <p:nvSpPr>
               <p:cNvPr id="25" name="TextBox 24"/>
@@ -3841,8 +3999,8 @@
           </p:sp>
         </mc:Fallback>
       </mc:AlternateContent>
-      <mc:AlternateContent xmlns:mc="http://schemas.openxmlformats.org/markup-compatibility/2006">
-        <mc:Choice xmlns:a14="http://schemas.microsoft.com/office/drawing/2010/main" Requires="a14">
+      <mc:AlternateContent xmlns:mc="http://schemas.openxmlformats.org/markup-compatibility/2006" xmlns:a14="http://schemas.microsoft.com/office/drawing/2010/main">
+        <mc:Choice Requires="a14">
           <p:sp>
             <p:nvSpPr>
               <p:cNvPr id="29" name="TextBox 28"/>
@@ -3865,6 +4023,7 @@
               </a:bodyPr>
               <a:lstStyle/>
               <a:p>
+                <a:pPr/>
                 <a14:m>
                   <m:oMathPara xmlns:m="http://schemas.openxmlformats.org/officeDocument/2006/math">
                     <m:oMathParaPr>
@@ -3884,7 +4043,7 @@
                         <m:dPr>
                           <m:ctrlPr>
                             <a:rPr lang="en-US" b="0" i="1" smtClean="0">
-                              <a:latin typeface="Cambria Math"/>
+                              <a:latin typeface="Cambria Math" panose="02040503050406030204" pitchFamily="18" charset="0"/>
                             </a:rPr>
                           </m:ctrlPr>
                         </m:dPr>
@@ -3917,7 +4076,7 @@
             </p:txBody>
           </p:sp>
         </mc:Choice>
-        <mc:Fallback>
+        <mc:Fallback xmlns="">
           <p:sp>
             <p:nvSpPr>
               <p:cNvPr id="29" name="TextBox 28"/>
@@ -3956,8 +4115,8 @@
           </p:sp>
         </mc:Fallback>
       </mc:AlternateContent>
-      <mc:AlternateContent xmlns:mc="http://schemas.openxmlformats.org/markup-compatibility/2006">
-        <mc:Choice xmlns:a14="http://schemas.microsoft.com/office/drawing/2010/main" Requires="a14">
+      <mc:AlternateContent xmlns:mc="http://schemas.openxmlformats.org/markup-compatibility/2006" xmlns:a14="http://schemas.microsoft.com/office/drawing/2010/main">
+        <mc:Choice Requires="a14">
           <p:sp>
             <p:nvSpPr>
               <p:cNvPr id="30" name="TextBox 29"/>
@@ -3980,6 +4139,7 @@
               </a:bodyPr>
               <a:lstStyle/>
               <a:p>
+                <a:pPr/>
                 <a14:m>
                   <m:oMathPara xmlns:m="http://schemas.openxmlformats.org/officeDocument/2006/math">
                     <m:oMathParaPr>
@@ -3990,7 +4150,7 @@
                         <m:sSupPr>
                           <m:ctrlPr>
                             <a:rPr lang="en-US" b="0" i="1" smtClean="0">
-                              <a:latin typeface="Cambria Math"/>
+                              <a:latin typeface="Cambria Math" panose="02040503050406030204" pitchFamily="18" charset="0"/>
                             </a:rPr>
                           </m:ctrlPr>
                         </m:sSupPr>
@@ -4018,7 +4178,7 @@
                         <m:dPr>
                           <m:ctrlPr>
                             <a:rPr lang="en-US" b="0" i="1" smtClean="0">
-                              <a:latin typeface="Cambria Math"/>
+                              <a:latin typeface="Cambria Math" panose="02040503050406030204" pitchFamily="18" charset="0"/>
                             </a:rPr>
                           </m:ctrlPr>
                         </m:dPr>
@@ -4051,7 +4211,7 @@
             </p:txBody>
           </p:sp>
         </mc:Choice>
-        <mc:Fallback>
+        <mc:Fallback xmlns="">
           <p:sp>
             <p:nvSpPr>
               <p:cNvPr id="30" name="TextBox 29"/>
@@ -4090,8 +4250,8 @@
           </p:sp>
         </mc:Fallback>
       </mc:AlternateContent>
-      <mc:AlternateContent xmlns:mc="http://schemas.openxmlformats.org/markup-compatibility/2006">
-        <mc:Choice xmlns:a14="http://schemas.microsoft.com/office/drawing/2010/main" Requires="a14">
+      <mc:AlternateContent xmlns:mc="http://schemas.openxmlformats.org/markup-compatibility/2006" xmlns:a14="http://schemas.microsoft.com/office/drawing/2010/main">
+        <mc:Choice Requires="a14">
           <p:sp>
             <p:nvSpPr>
               <p:cNvPr id="31" name="TextBox 30"/>
@@ -4114,6 +4274,7 @@
               </a:bodyPr>
               <a:lstStyle/>
               <a:p>
+                <a:pPr/>
                 <a14:m>
                   <m:oMathPara xmlns:m="http://schemas.openxmlformats.org/officeDocument/2006/math">
                     <m:oMathParaPr>
@@ -4134,7 +4295,7 @@
             </p:txBody>
           </p:sp>
         </mc:Choice>
-        <mc:Fallback>
+        <mc:Fallback xmlns="">
           <p:sp>
             <p:nvSpPr>
               <p:cNvPr id="31" name="TextBox 30"/>
@@ -4603,7 +4764,7 @@
             <p:spPr/>
             <p:txBody>
               <a:bodyPr>
-                <a:normAutofit lnSpcReduction="10000"/>
+                <a:normAutofit fontScale="92500"/>
               </a:bodyPr>
               <a:lstStyle/>
               <a:p>
@@ -4636,7 +4797,9 @@
                       <m:sSub>
                         <m:sSubPr>
                           <m:ctrlPr>
-                            <a:rPr lang="ru-RU" sz="2600" i="1"/>
+                            <a:rPr lang="ru-RU" sz="2600" i="1">
+                              <a:latin typeface="Cambria Math" panose="02040503050406030204" pitchFamily="18" charset="0"/>
+                            </a:rPr>
                           </m:ctrlPr>
                         </m:sSubPr>
                         <m:e>
@@ -4649,40 +4812,54 @@
                         </m:e>
                         <m:sub>
                           <m:r>
-                            <a:rPr lang="ru-RU" sz="2600" i="1"/>
+                            <a:rPr lang="ru-RU" sz="2600" i="1">
+                              <a:latin typeface="Cambria Math" panose="02040503050406030204" pitchFamily="18" charset="0"/>
+                            </a:rPr>
                             <m:t>𝑡</m:t>
                           </m:r>
                         </m:sub>
                       </m:sSub>
                       <m:r>
-                        <a:rPr lang="ru-RU" sz="2600" i="1"/>
+                        <a:rPr lang="ru-RU" sz="2600" i="1">
+                          <a:latin typeface="Cambria Math" panose="02040503050406030204" pitchFamily="18" charset="0"/>
+                        </a:rPr>
                         <m:t>=</m:t>
                       </m:r>
                       <m:d>
                         <m:dPr>
                           <m:ctrlPr>
-                            <a:rPr lang="ru-RU" sz="2600" i="1"/>
+                            <a:rPr lang="ru-RU" sz="2600" i="1">
+                              <a:latin typeface="Cambria Math" panose="02040503050406030204" pitchFamily="18" charset="0"/>
+                            </a:rPr>
                           </m:ctrlPr>
                         </m:dPr>
                         <m:e>
                           <m:r>
-                            <a:rPr lang="ru-RU" sz="2600" i="1"/>
+                            <a:rPr lang="ru-RU" sz="2600" i="1">
+                              <a:latin typeface="Cambria Math" panose="02040503050406030204" pitchFamily="18" charset="0"/>
+                            </a:rPr>
                             <m:t>1−</m:t>
                           </m:r>
                           <m:r>
-                            <a:rPr lang="ru-RU" sz="2600" i="1"/>
+                            <a:rPr lang="ru-RU" sz="2600" i="1">
+                              <a:latin typeface="Cambria Math" panose="02040503050406030204" pitchFamily="18" charset="0"/>
+                            </a:rPr>
                             <m:t>𝛼</m:t>
                           </m:r>
                         </m:e>
                       </m:d>
                       <m:r>
-                        <a:rPr lang="ru-RU" sz="2600" i="1"/>
+                        <a:rPr lang="ru-RU" sz="2600" i="1">
+                          <a:latin typeface="Cambria Math" panose="02040503050406030204" pitchFamily="18" charset="0"/>
+                        </a:rPr>
                         <m:t>∙</m:t>
                       </m:r>
                       <m:sSub>
                         <m:sSubPr>
                           <m:ctrlPr>
-                            <a:rPr lang="ru-RU" sz="2600" i="1"/>
+                            <a:rPr lang="ru-RU" sz="2600" i="1">
+                              <a:latin typeface="Cambria Math" panose="02040503050406030204" pitchFamily="18" charset="0"/>
+                            </a:rPr>
                           </m:ctrlPr>
                         </m:sSubPr>
                         <m:e>
@@ -4695,29 +4872,41 @@
                         </m:e>
                         <m:sub>
                           <m:r>
-                            <a:rPr lang="ru-RU" sz="2600" i="1"/>
+                            <a:rPr lang="ru-RU" sz="2600" i="1">
+                              <a:latin typeface="Cambria Math" panose="02040503050406030204" pitchFamily="18" charset="0"/>
+                            </a:rPr>
                             <m:t>𝑡</m:t>
                           </m:r>
                           <m:r>
-                            <a:rPr lang="ru-RU" sz="2600" i="1"/>
+                            <a:rPr lang="ru-RU" sz="2600" i="1">
+                              <a:latin typeface="Cambria Math" panose="02040503050406030204" pitchFamily="18" charset="0"/>
+                            </a:rPr>
                             <m:t>−1</m:t>
                           </m:r>
                         </m:sub>
                       </m:sSub>
                       <m:r>
-                        <a:rPr lang="ru-RU" sz="2600" i="1"/>
+                        <a:rPr lang="ru-RU" sz="2600" i="1">
+                          <a:latin typeface="Cambria Math" panose="02040503050406030204" pitchFamily="18" charset="0"/>
+                        </a:rPr>
                         <m:t>+</m:t>
                       </m:r>
                       <m:r>
-                        <a:rPr lang="ru-RU" sz="2600" i="1"/>
+                        <a:rPr lang="ru-RU" sz="2600" i="1">
+                          <a:latin typeface="Cambria Math" panose="02040503050406030204" pitchFamily="18" charset="0"/>
+                        </a:rPr>
                         <m:t>𝛼</m:t>
                       </m:r>
                       <m:r>
-                        <a:rPr lang="ru-RU" sz="2600" i="1"/>
+                        <a:rPr lang="ru-RU" sz="2600" i="1">
+                          <a:latin typeface="Cambria Math" panose="02040503050406030204" pitchFamily="18" charset="0"/>
+                        </a:rPr>
                         <m:t>∙</m:t>
                       </m:r>
                       <m:r>
-                        <a:rPr lang="ru-RU" sz="2600" i="1"/>
+                        <a:rPr lang="ru-RU" sz="2600" i="1">
+                          <a:latin typeface="Cambria Math" panose="02040503050406030204" pitchFamily="18" charset="0"/>
+                        </a:rPr>
                         <m:t>𝑆</m:t>
                       </m:r>
                       <m:d>
@@ -4725,25 +4914,33 @@
                           <m:begChr m:val="["/>
                           <m:endChr m:val="]"/>
                           <m:ctrlPr>
-                            <a:rPr lang="ru-RU" sz="2600" i="1"/>
+                            <a:rPr lang="ru-RU" sz="2600" i="1">
+                              <a:latin typeface="Cambria Math" panose="02040503050406030204" pitchFamily="18" charset="0"/>
+                            </a:rPr>
                           </m:ctrlPr>
                         </m:dPr>
                         <m:e>
                           <m:sSub>
                             <m:sSubPr>
                               <m:ctrlPr>
-                                <a:rPr lang="ru-RU" sz="2600" i="1" smtClean="0"/>
+                                <a:rPr lang="ru-RU" sz="2600" i="1" smtClean="0">
+                                  <a:latin typeface="Cambria Math" panose="02040503050406030204" pitchFamily="18" charset="0"/>
+                                </a:rPr>
                               </m:ctrlPr>
                             </m:sSubPr>
                             <m:e>
                               <m:r>
-                                <a:rPr lang="ru-RU" sz="2600" i="1"/>
+                                <a:rPr lang="ru-RU" sz="2600" i="1">
+                                  <a:latin typeface="Cambria Math" panose="02040503050406030204" pitchFamily="18" charset="0"/>
+                                </a:rPr>
                                 <m:t>𝐼</m:t>
                               </m:r>
                             </m:e>
                             <m:sub>
                               <m:r>
-                                <a:rPr lang="ru-RU" sz="2600" i="1"/>
+                                <a:rPr lang="ru-RU" sz="2600" i="1">
+                                  <a:latin typeface="Cambria Math" panose="02040503050406030204" pitchFamily="18" charset="0"/>
+                                </a:rPr>
                                 <m:t>𝑡</m:t>
                               </m:r>
                             </m:sub>
@@ -4758,7 +4955,7 @@
                             <m:sSubPr>
                               <m:ctrlPr>
                                 <a:rPr lang="ru-RU" sz="2600" i="1">
-                                  <a:latin typeface="Cambria Math"/>
+                                  <a:latin typeface="Cambria Math" panose="02040503050406030204" pitchFamily="18" charset="0"/>
                                 </a:rPr>
                               </m:ctrlPr>
                             </m:sSubPr>
@@ -4833,7 +5030,9 @@
                       <m:sSub>
                         <m:sSubPr>
                           <m:ctrlPr>
-                            <a:rPr lang="ru-RU" sz="2600" i="1"/>
+                            <a:rPr lang="ru-RU" sz="2600" i="1">
+                              <a:latin typeface="Cambria Math" panose="02040503050406030204" pitchFamily="18" charset="0"/>
+                            </a:rPr>
                           </m:ctrlPr>
                         </m:sSubPr>
                         <m:e>
@@ -4846,40 +5045,54 @@
                         </m:e>
                         <m:sub>
                           <m:r>
-                            <a:rPr lang="ru-RU" sz="2600" i="1"/>
+                            <a:rPr lang="ru-RU" sz="2600" i="1">
+                              <a:latin typeface="Cambria Math" panose="02040503050406030204" pitchFamily="18" charset="0"/>
+                            </a:rPr>
                             <m:t>𝑡</m:t>
                           </m:r>
                         </m:sub>
                       </m:sSub>
                       <m:r>
-                        <a:rPr lang="ru-RU" sz="2600" i="1"/>
+                        <a:rPr lang="ru-RU" sz="2600" i="1">
+                          <a:latin typeface="Cambria Math" panose="02040503050406030204" pitchFamily="18" charset="0"/>
+                        </a:rPr>
                         <m:t>=</m:t>
                       </m:r>
                       <m:d>
                         <m:dPr>
                           <m:ctrlPr>
-                            <a:rPr lang="ru-RU" sz="2600" i="1"/>
+                            <a:rPr lang="ru-RU" sz="2600" i="1">
+                              <a:latin typeface="Cambria Math" panose="02040503050406030204" pitchFamily="18" charset="0"/>
+                            </a:rPr>
                           </m:ctrlPr>
                         </m:dPr>
                         <m:e>
                           <m:r>
-                            <a:rPr lang="ru-RU" sz="2600" i="1"/>
+                            <a:rPr lang="ru-RU" sz="2600" i="1">
+                              <a:latin typeface="Cambria Math" panose="02040503050406030204" pitchFamily="18" charset="0"/>
+                            </a:rPr>
                             <m:t>1−</m:t>
                           </m:r>
                           <m:r>
-                            <a:rPr lang="ru-RU" sz="2600" i="1"/>
+                            <a:rPr lang="ru-RU" sz="2600" i="1">
+                              <a:latin typeface="Cambria Math" panose="02040503050406030204" pitchFamily="18" charset="0"/>
+                            </a:rPr>
                             <m:t>𝛼</m:t>
                           </m:r>
                         </m:e>
                       </m:d>
                       <m:r>
-                        <a:rPr lang="ru-RU" sz="2600" i="1"/>
+                        <a:rPr lang="ru-RU" sz="2600" i="1">
+                          <a:latin typeface="Cambria Math" panose="02040503050406030204" pitchFamily="18" charset="0"/>
+                        </a:rPr>
                         <m:t>∙</m:t>
                       </m:r>
                       <m:sSub>
                         <m:sSubPr>
                           <m:ctrlPr>
-                            <a:rPr lang="ru-RU" sz="2600" i="1"/>
+                            <a:rPr lang="ru-RU" sz="2600" i="1">
+                              <a:latin typeface="Cambria Math" panose="02040503050406030204" pitchFamily="18" charset="0"/>
+                            </a:rPr>
                           </m:ctrlPr>
                         </m:sSubPr>
                         <m:e>
@@ -4892,29 +5105,41 @@
                         </m:e>
                         <m:sub>
                           <m:r>
-                            <a:rPr lang="ru-RU" sz="2600" i="1"/>
+                            <a:rPr lang="ru-RU" sz="2600" i="1">
+                              <a:latin typeface="Cambria Math" panose="02040503050406030204" pitchFamily="18" charset="0"/>
+                            </a:rPr>
                             <m:t>𝑡</m:t>
                           </m:r>
                           <m:r>
-                            <a:rPr lang="ru-RU" sz="2600" i="1"/>
+                            <a:rPr lang="ru-RU" sz="2600" i="1">
+                              <a:latin typeface="Cambria Math" panose="02040503050406030204" pitchFamily="18" charset="0"/>
+                            </a:rPr>
                             <m:t>−1</m:t>
                           </m:r>
                         </m:sub>
                       </m:sSub>
                       <m:r>
-                        <a:rPr lang="ru-RU" sz="2600" i="1"/>
+                        <a:rPr lang="ru-RU" sz="2600" i="1">
+                          <a:latin typeface="Cambria Math" panose="02040503050406030204" pitchFamily="18" charset="0"/>
+                        </a:rPr>
                         <m:t>+</m:t>
                       </m:r>
                       <m:r>
-                        <a:rPr lang="ru-RU" sz="2600" i="1"/>
+                        <a:rPr lang="ru-RU" sz="2600" i="1">
+                          <a:latin typeface="Cambria Math" panose="02040503050406030204" pitchFamily="18" charset="0"/>
+                        </a:rPr>
                         <m:t>𝛼</m:t>
                       </m:r>
                       <m:r>
-                        <a:rPr lang="ru-RU" sz="2600" i="1"/>
+                        <a:rPr lang="ru-RU" sz="2600" i="1">
+                          <a:latin typeface="Cambria Math" panose="02040503050406030204" pitchFamily="18" charset="0"/>
+                        </a:rPr>
                         <m:t>∙</m:t>
                       </m:r>
                       <m:r>
-                        <a:rPr lang="ru-RU" sz="2600" i="1"/>
+                        <a:rPr lang="ru-RU" sz="2600" i="1">
+                          <a:latin typeface="Cambria Math" panose="02040503050406030204" pitchFamily="18" charset="0"/>
+                        </a:rPr>
                         <m:t>𝑆</m:t>
                       </m:r>
                       <m:d>
@@ -4922,7 +5147,9 @@
                           <m:begChr m:val="["/>
                           <m:endChr m:val="]"/>
                           <m:ctrlPr>
-                            <a:rPr lang="ru-RU" sz="2600" i="1"/>
+                            <a:rPr lang="ru-RU" sz="2600" i="1">
+                              <a:latin typeface="Cambria Math" panose="02040503050406030204" pitchFamily="18" charset="0"/>
+                            </a:rPr>
                           </m:ctrlPr>
                         </m:dPr>
                         <m:e>
@@ -4931,37 +5158,49 @@
                               <m:begChr m:val="|"/>
                               <m:endChr m:val="|"/>
                               <m:ctrlPr>
-                                <a:rPr lang="ru-RU" sz="2600" i="1"/>
+                                <a:rPr lang="ru-RU" sz="2600" i="1">
+                                  <a:latin typeface="Cambria Math" panose="02040503050406030204" pitchFamily="18" charset="0"/>
+                                </a:rPr>
                               </m:ctrlPr>
                             </m:dPr>
                             <m:e>
                               <m:sSub>
                                 <m:sSubPr>
                                   <m:ctrlPr>
-                                    <a:rPr lang="ru-RU" sz="2600" i="1"/>
+                                    <a:rPr lang="ru-RU" sz="2600" i="1">
+                                      <a:latin typeface="Cambria Math" panose="02040503050406030204" pitchFamily="18" charset="0"/>
+                                    </a:rPr>
                                   </m:ctrlPr>
                                 </m:sSubPr>
                                 <m:e>
                                   <m:r>
-                                    <a:rPr lang="ru-RU" sz="2600" i="1"/>
+                                    <a:rPr lang="ru-RU" sz="2600" i="1">
+                                      <a:latin typeface="Cambria Math" panose="02040503050406030204" pitchFamily="18" charset="0"/>
+                                    </a:rPr>
                                     <m:t>𝐼</m:t>
                                   </m:r>
                                 </m:e>
                                 <m:sub>
                                   <m:r>
-                                    <a:rPr lang="ru-RU" sz="2600" i="1"/>
+                                    <a:rPr lang="ru-RU" sz="2600" i="1">
+                                      <a:latin typeface="Cambria Math" panose="02040503050406030204" pitchFamily="18" charset="0"/>
+                                    </a:rPr>
                                     <m:t>𝑡</m:t>
                                   </m:r>
                                 </m:sub>
                               </m:sSub>
                               <m:r>
-                                <a:rPr lang="ru-RU" sz="2600" i="1"/>
+                                <a:rPr lang="ru-RU" sz="2600" i="1">
+                                  <a:latin typeface="Cambria Math" panose="02040503050406030204" pitchFamily="18" charset="0"/>
+                                </a:rPr>
                                 <m:t>−</m:t>
                               </m:r>
                               <m:sSub>
                                 <m:sSubPr>
                                   <m:ctrlPr>
-                                    <a:rPr lang="ru-RU" sz="2600" i="1"/>
+                                    <a:rPr lang="ru-RU" sz="2600" i="1">
+                                      <a:latin typeface="Cambria Math" panose="02040503050406030204" pitchFamily="18" charset="0"/>
+                                    </a:rPr>
                                   </m:ctrlPr>
                                 </m:sSubPr>
                                 <m:e>
@@ -4974,7 +5213,9 @@
                                 </m:e>
                                 <m:sub>
                                   <m:r>
-                                    <a:rPr lang="ru-RU" sz="2600" i="1"/>
+                                    <a:rPr lang="ru-RU" sz="2600" i="1">
+                                      <a:latin typeface="Cambria Math" panose="02040503050406030204" pitchFamily="18" charset="0"/>
+                                    </a:rPr>
                                     <m:t>𝑡</m:t>
                                   </m:r>
                                 </m:sub>
@@ -4982,13 +5223,17 @@
                             </m:e>
                           </m:d>
                           <m:r>
-                            <a:rPr lang="ru-RU" sz="2600" i="1" smtClean="0"/>
+                            <a:rPr lang="ru-RU" sz="2600" i="1" smtClean="0">
+                              <a:latin typeface="Cambria Math" panose="02040503050406030204" pitchFamily="18" charset="0"/>
+                            </a:rPr>
                             <m:t>, </m:t>
                           </m:r>
                           <m:sSub>
                             <m:sSubPr>
                               <m:ctrlPr>
-                                <a:rPr lang="ru-RU" sz="2600" i="1" smtClean="0"/>
+                                <a:rPr lang="ru-RU" sz="2600" i="1" smtClean="0">
+                                  <a:latin typeface="Cambria Math" panose="02040503050406030204" pitchFamily="18" charset="0"/>
+                                </a:rPr>
                               </m:ctrlPr>
                             </m:sSubPr>
                             <m:e>
@@ -5001,11 +5246,15 @@
                             </m:e>
                             <m:sub>
                               <m:r>
-                                <a:rPr lang="ru-RU" sz="2600" i="1"/>
+                                <a:rPr lang="ru-RU" sz="2600" i="1">
+                                  <a:latin typeface="Cambria Math" panose="02040503050406030204" pitchFamily="18" charset="0"/>
+                                </a:rPr>
                                 <m:t>𝑡</m:t>
                               </m:r>
                               <m:r>
-                                <a:rPr lang="ru-RU" sz="2600" i="1"/>
+                                <a:rPr lang="ru-RU" sz="2600" i="1">
+                                  <a:latin typeface="Cambria Math" panose="02040503050406030204" pitchFamily="18" charset="0"/>
+                                </a:rPr>
                                 <m:t>−1</m:t>
                               </m:r>
                             </m:sub>
@@ -5046,7 +5295,9 @@
                     </m:oMathParaPr>
                     <m:oMath xmlns:m="http://schemas.openxmlformats.org/officeDocument/2006/math">
                       <m:r>
-                        <a:rPr lang="ru-RU" sz="2600" i="1"/>
+                        <a:rPr lang="ru-RU" sz="2600" i="1">
+                          <a:latin typeface="Cambria Math" panose="02040503050406030204" pitchFamily="18" charset="0"/>
+                        </a:rPr>
                         <m:t>𝑆</m:t>
                       </m:r>
                       <m:d>
@@ -5054,7 +5305,9 @@
                           <m:begChr m:val="["/>
                           <m:endChr m:val="]"/>
                           <m:ctrlPr>
-                            <a:rPr lang="ru-RU" sz="2600" i="1"/>
+                            <a:rPr lang="ru-RU" sz="2600" i="1">
+                              <a:latin typeface="Cambria Math" panose="02040503050406030204" pitchFamily="18" charset="0"/>
+                            </a:rPr>
                           </m:ctrlPr>
                         </m:dPr>
                         <m:e>
@@ -5062,7 +5315,7 @@
                             <m:sSubPr>
                               <m:ctrlPr>
                                 <a:rPr lang="ru-RU" sz="2600" i="1">
-                                  <a:latin typeface="Cambria Math"/>
+                                  <a:latin typeface="Cambria Math" panose="02040503050406030204" pitchFamily="18" charset="0"/>
                                 </a:rPr>
                               </m:ctrlPr>
                             </m:sSubPr>
@@ -5093,7 +5346,7 @@
                             <m:sSubPr>
                               <m:ctrlPr>
                                 <a:rPr lang="ru-RU" sz="2600" i="1">
-                                  <a:latin typeface="Cambria Math"/>
+                                  <a:latin typeface="Cambria Math" panose="02040503050406030204" pitchFamily="18" charset="0"/>
                                 </a:rPr>
                               </m:ctrlPr>
                             </m:sSubPr>
@@ -5123,7 +5376,9 @@
                         </m:e>
                       </m:d>
                       <m:r>
-                        <a:rPr lang="ru-RU" sz="2600" i="1"/>
+                        <a:rPr lang="ru-RU" sz="2600" i="1">
+                          <a:latin typeface="Cambria Math" panose="02040503050406030204" pitchFamily="18" charset="0"/>
+                        </a:rPr>
                         <m:t>=</m:t>
                       </m:r>
                       <m:d>
@@ -5131,18 +5386,24 @@
                           <m:begChr m:val="{"/>
                           <m:endChr m:val=""/>
                           <m:ctrlPr>
-                            <a:rPr lang="ru-RU" sz="2600" i="1"/>
+                            <a:rPr lang="ru-RU" sz="2600" i="1">
+                              <a:latin typeface="Cambria Math" panose="02040503050406030204" pitchFamily="18" charset="0"/>
+                            </a:rPr>
                           </m:ctrlPr>
                         </m:dPr>
                         <m:e>
                           <m:r>
-                            <a:rPr lang="ru-RU" sz="2600" i="1"/>
+                            <a:rPr lang="ru-RU" sz="2600" i="1">
+                              <a:latin typeface="Cambria Math" panose="02040503050406030204" pitchFamily="18" charset="0"/>
+                            </a:rPr>
                             <m:t> </m:t>
                           </m:r>
                           <m:eqArr>
                             <m:eqArrPr>
                               <m:ctrlPr>
-                                <a:rPr lang="ru-RU" sz="2600" i="1"/>
+                                <a:rPr lang="ru-RU" sz="2600" i="1">
+                                  <a:latin typeface="Cambria Math" panose="02040503050406030204" pitchFamily="18" charset="0"/>
+                                </a:rPr>
                               </m:ctrlPr>
                             </m:eqArrPr>
                             <m:e>
@@ -5150,7 +5411,7 @@
                                 <m:sSubPr>
                                   <m:ctrlPr>
                                     <a:rPr lang="ru-RU" sz="2600" i="1">
-                                      <a:latin typeface="Cambria Math"/>
+                                      <a:latin typeface="Cambria Math" panose="02040503050406030204" pitchFamily="18" charset="0"/>
                                     </a:rPr>
                                   </m:ctrlPr>
                                 </m:sSubPr>
@@ -5172,7 +5433,9 @@
                                 </m:sub>
                               </m:sSub>
                               <m:r>
-                                <a:rPr lang="en-US" sz="2600" i="1"/>
+                                <a:rPr lang="en-US" sz="2600" i="1">
+                                  <a:latin typeface="Cambria Math" panose="02040503050406030204" pitchFamily="18" charset="0"/>
+                                </a:rPr>
                                 <m:t>, </m:t>
                               </m:r>
                               <m:r>
@@ -5187,7 +5450,7 @@
                                   <m:endChr m:val="|"/>
                                   <m:ctrlPr>
                                     <a:rPr lang="en-US" sz="2600" b="0" i="1" smtClean="0">
-                                      <a:latin typeface="Cambria Math"/>
+                                      <a:latin typeface="Cambria Math" panose="02040503050406030204" pitchFamily="18" charset="0"/>
                                     </a:rPr>
                                   </m:ctrlPr>
                                 </m:dPr>
@@ -5196,7 +5459,7 @@
                                     <m:sSubPr>
                                       <m:ctrlPr>
                                         <a:rPr lang="ru-RU" sz="2600" i="1">
-                                          <a:latin typeface="Cambria Math"/>
+                                          <a:latin typeface="Cambria Math" panose="02040503050406030204" pitchFamily="18" charset="0"/>
                                         </a:rPr>
                                       </m:ctrlPr>
                                     </m:sSubPr>
@@ -5227,7 +5490,7 @@
                                     <m:sSubPr>
                                       <m:ctrlPr>
                                         <a:rPr lang="ru-RU" sz="2600" i="1">
-                                          <a:latin typeface="Cambria Math"/>
+                                          <a:latin typeface="Cambria Math" panose="02040503050406030204" pitchFamily="18" charset="0"/>
                                         </a:rPr>
                                       </m:ctrlPr>
                                     </m:sSubPr>
@@ -5266,7 +5529,7 @@
                                 <m:sSubPr>
                                   <m:ctrlPr>
                                     <a:rPr lang="en-US" sz="2600" b="0" i="1" smtClean="0">
-                                      <a:latin typeface="Cambria Math"/>
+                                      <a:latin typeface="Cambria Math" panose="02040503050406030204" pitchFamily="18" charset="0"/>
                                     </a:rPr>
                                   </m:ctrlPr>
                                 </m:sSubPr>
@@ -5291,7 +5554,7 @@
                                 <m:sSubPr>
                                   <m:ctrlPr>
                                     <a:rPr lang="ru-RU" sz="2600" i="1">
-                                      <a:latin typeface="Cambria Math"/>
+                                      <a:latin typeface="Cambria Math" panose="02040503050406030204" pitchFamily="18" charset="0"/>
                                     </a:rPr>
                                   </m:ctrlPr>
                                 </m:sSubPr>
@@ -5324,7 +5587,7 @@
                                 <m:sSubPr>
                                   <m:ctrlPr>
                                     <a:rPr lang="ru-RU" sz="2600" i="1">
-                                      <a:latin typeface="Cambria Math"/>
+                                      <a:latin typeface="Cambria Math" panose="02040503050406030204" pitchFamily="18" charset="0"/>
                                     </a:rPr>
                                   </m:ctrlPr>
                                 </m:sSubPr>
@@ -5364,7 +5627,9 @@
                                 <m:t> </m:t>
                               </m:r>
                               <m:r>
-                                <a:rPr lang="en-US" sz="2600" i="1"/>
+                                <a:rPr lang="en-US" sz="2600" i="1">
+                                  <a:latin typeface="Cambria Math" panose="02040503050406030204" pitchFamily="18" charset="0"/>
+                                </a:rPr>
                                 <m:t>в противном случае</m:t>
                               </m:r>
                               <m:r>
@@ -5374,7 +5639,9 @@
                                 <m:t> </m:t>
                               </m:r>
                               <m:r>
-                                <a:rPr lang="en-US" sz="2600" i="1"/>
+                                <a:rPr lang="en-US" sz="2600" i="1">
+                                  <a:latin typeface="Cambria Math" panose="02040503050406030204" pitchFamily="18" charset="0"/>
+                                </a:rPr>
                                 <m:t>   </m:t>
                               </m:r>
                             </m:e>
@@ -5410,24 +5677,32 @@
                       <m:sSub>
                         <m:sSubPr>
                           <m:ctrlPr>
-                            <a:rPr lang="ru-RU" sz="2600" i="1"/>
+                            <a:rPr lang="ru-RU" sz="2600" i="1">
+                              <a:latin typeface="Cambria Math" panose="02040503050406030204" pitchFamily="18" charset="0"/>
+                            </a:rPr>
                           </m:ctrlPr>
                         </m:sSubPr>
                         <m:e>
                           <m:r>
-                            <a:rPr lang="en-US" sz="2600" i="1"/>
+                            <a:rPr lang="en-US" sz="2600" i="1">
+                              <a:latin typeface="Cambria Math" panose="02040503050406030204" pitchFamily="18" charset="0"/>
+                            </a:rPr>
                             <m:t>𝐵</m:t>
                           </m:r>
                         </m:e>
                         <m:sub>
                           <m:r>
-                            <a:rPr lang="ru-RU" sz="2600" i="1"/>
+                            <a:rPr lang="ru-RU" sz="2600" i="1">
+                              <a:latin typeface="Cambria Math" panose="02040503050406030204" pitchFamily="18" charset="0"/>
+                            </a:rPr>
                             <m:t>𝑡</m:t>
                           </m:r>
                         </m:sub>
                       </m:sSub>
                       <m:r>
-                        <a:rPr lang="ru-RU" sz="2600" i="1"/>
+                        <a:rPr lang="ru-RU" sz="2600" i="1">
+                          <a:latin typeface="Cambria Math" panose="02040503050406030204" pitchFamily="18" charset="0"/>
+                        </a:rPr>
                         <m:t>=</m:t>
                       </m:r>
                       <m:d>
@@ -5435,19 +5710,25 @@
                           <m:begChr m:val="{"/>
                           <m:endChr m:val=""/>
                           <m:ctrlPr>
-                            <a:rPr lang="ru-RU" sz="2600" i="1"/>
+                            <a:rPr lang="ru-RU" sz="2600" i="1">
+                              <a:latin typeface="Cambria Math" panose="02040503050406030204" pitchFamily="18" charset="0"/>
+                            </a:rPr>
                           </m:ctrlPr>
                         </m:dPr>
                         <m:e>
                           <m:eqArr>
                             <m:eqArrPr>
                               <m:ctrlPr>
-                                <a:rPr lang="ru-RU" sz="2600" i="1"/>
+                                <a:rPr lang="ru-RU" sz="2600" i="1">
+                                  <a:latin typeface="Cambria Math" panose="02040503050406030204" pitchFamily="18" charset="0"/>
+                                </a:rPr>
                               </m:ctrlPr>
                             </m:eqArrPr>
                             <m:e>
                               <m:r>
-                                <a:rPr lang="ru-RU" sz="2600" i="1"/>
+                                <a:rPr lang="ru-RU" sz="2600" i="1">
+                                  <a:latin typeface="Cambria Math" panose="02040503050406030204" pitchFamily="18" charset="0"/>
+                                </a:rPr>
                                 <m:t> 1,  </m:t>
                               </m:r>
                               <m:d>
@@ -5455,37 +5736,49 @@
                                   <m:begChr m:val="|"/>
                                   <m:endChr m:val="|"/>
                                   <m:ctrlPr>
-                                    <a:rPr lang="ru-RU" sz="2600" i="1"/>
+                                    <a:rPr lang="ru-RU" sz="2600" i="1">
+                                      <a:latin typeface="Cambria Math" panose="02040503050406030204" pitchFamily="18" charset="0"/>
+                                    </a:rPr>
                                   </m:ctrlPr>
                                 </m:dPr>
                                 <m:e>
                                   <m:sSub>
                                     <m:sSubPr>
                                       <m:ctrlPr>
-                                        <a:rPr lang="ru-RU" sz="2600" i="1"/>
+                                        <a:rPr lang="ru-RU" sz="2600" i="1">
+                                          <a:latin typeface="Cambria Math" panose="02040503050406030204" pitchFamily="18" charset="0"/>
+                                        </a:rPr>
                                       </m:ctrlPr>
                                     </m:sSubPr>
                                     <m:e>
                                       <m:r>
-                                        <a:rPr lang="en-US" sz="2600" i="1"/>
+                                        <a:rPr lang="en-US" sz="2600" i="1">
+                                          <a:latin typeface="Cambria Math" panose="02040503050406030204" pitchFamily="18" charset="0"/>
+                                        </a:rPr>
                                         <m:t>𝐼</m:t>
                                       </m:r>
                                     </m:e>
                                     <m:sub>
                                       <m:r>
-                                        <a:rPr lang="en-US" sz="2600" i="1"/>
+                                        <a:rPr lang="en-US" sz="2600" i="1">
+                                          <a:latin typeface="Cambria Math" panose="02040503050406030204" pitchFamily="18" charset="0"/>
+                                        </a:rPr>
                                         <m:t>𝑡</m:t>
                                       </m:r>
                                     </m:sub>
                                   </m:sSub>
                                   <m:r>
-                                    <a:rPr lang="ru-RU" sz="2600" i="1"/>
+                                    <a:rPr lang="ru-RU" sz="2600" i="1">
+                                      <a:latin typeface="Cambria Math" panose="02040503050406030204" pitchFamily="18" charset="0"/>
+                                    </a:rPr>
                                     <m:t>−</m:t>
                                   </m:r>
                                   <m:sSub>
                                     <m:sSubPr>
                                       <m:ctrlPr>
-                                        <a:rPr lang="ru-RU" sz="2600" i="1" smtClean="0"/>
+                                        <a:rPr lang="ru-RU" sz="2600" i="1" smtClean="0">
+                                          <a:latin typeface="Cambria Math" panose="02040503050406030204" pitchFamily="18" charset="0"/>
+                                        </a:rPr>
                                       </m:ctrlPr>
                                     </m:sSubPr>
                                     <m:e>
@@ -5498,7 +5791,9 @@
                                     </m:e>
                                     <m:sub>
                                       <m:r>
-                                        <a:rPr lang="ru-RU" sz="2600" i="1"/>
+                                        <a:rPr lang="ru-RU" sz="2600" i="1">
+                                          <a:latin typeface="Cambria Math" panose="02040503050406030204" pitchFamily="18" charset="0"/>
+                                        </a:rPr>
                                         <m:t>𝑡</m:t>
                                       </m:r>
                                     </m:sub>
@@ -5506,24 +5801,32 @@
                                 </m:e>
                               </m:d>
                               <m:r>
-                                <a:rPr lang="en-US" sz="2600" i="1"/>
+                                <a:rPr lang="en-US" sz="2600" i="1">
+                                  <a:latin typeface="Cambria Math" panose="02040503050406030204" pitchFamily="18" charset="0"/>
+                                </a:rPr>
                                 <m:t>&gt;</m:t>
                               </m:r>
                               <m:sSub>
                                 <m:sSubPr>
                                   <m:ctrlPr>
-                                    <a:rPr lang="ru-RU" sz="2600" i="1"/>
+                                    <a:rPr lang="ru-RU" sz="2600" i="1">
+                                      <a:latin typeface="Cambria Math" panose="02040503050406030204" pitchFamily="18" charset="0"/>
+                                    </a:rPr>
                                   </m:ctrlPr>
                                 </m:sSubPr>
                                 <m:e>
                                   <m:r>
-                                    <a:rPr lang="en-US" sz="2600" i="1"/>
+                                    <a:rPr lang="en-US" sz="2600" i="1">
+                                      <a:latin typeface="Cambria Math" panose="02040503050406030204" pitchFamily="18" charset="0"/>
+                                    </a:rPr>
                                     <m:t>𝑘</m:t>
                                   </m:r>
                                 </m:e>
                                 <m:sub>
                                   <m:r>
-                                    <a:rPr lang="en-US" sz="2600" i="1"/>
+                                    <a:rPr lang="en-US" sz="2600" i="1">
+                                      <a:latin typeface="Cambria Math" panose="02040503050406030204" pitchFamily="18" charset="0"/>
+                                    </a:rPr>
                                     <m:t>2</m:t>
                                   </m:r>
                                 </m:sub>
@@ -5531,7 +5834,9 @@
                               <m:sSub>
                                 <m:sSubPr>
                                   <m:ctrlPr>
-                                    <a:rPr lang="ru-RU" sz="2600" i="1"/>
+                                    <a:rPr lang="ru-RU" sz="2600" i="1">
+                                      <a:latin typeface="Cambria Math" panose="02040503050406030204" pitchFamily="18" charset="0"/>
+                                    </a:rPr>
                                   </m:ctrlPr>
                                 </m:sSubPr>
                                 <m:e>
@@ -5544,7 +5849,9 @@
                                 </m:e>
                                 <m:sub>
                                   <m:r>
-                                    <a:rPr lang="ru-RU" sz="2600" i="1"/>
+                                    <a:rPr lang="ru-RU" sz="2600" i="1">
+                                      <a:latin typeface="Cambria Math" panose="02040503050406030204" pitchFamily="18" charset="0"/>
+                                    </a:rPr>
                                     <m:t>𝑡</m:t>
                                   </m:r>
                                 </m:sub>
@@ -5570,15 +5877,21 @@
                             </m:e>
                             <m:e>
                               <m:r>
-                                <a:rPr lang="ru-RU" sz="2600" i="1"/>
+                                <a:rPr lang="ru-RU" sz="2600" i="1">
+                                  <a:latin typeface="Cambria Math" panose="02040503050406030204" pitchFamily="18" charset="0"/>
+                                </a:rPr>
                                 <m:t>0,  </m:t>
                               </m:r>
                               <m:r>
-                                <a:rPr lang="en-US" sz="2600" i="1"/>
+                                <a:rPr lang="en-US" sz="2600" i="1">
+                                  <a:latin typeface="Cambria Math" panose="02040503050406030204" pitchFamily="18" charset="0"/>
+                                </a:rPr>
                                 <m:t>в противном с</m:t>
                               </m:r>
                               <m:r>
-                                <a:rPr lang="en-US" sz="2600" i="1" smtClean="0"/>
+                                <a:rPr lang="en-US" sz="2600" i="1" smtClean="0">
+                                  <a:latin typeface="Cambria Math" panose="02040503050406030204" pitchFamily="18" charset="0"/>
+                                </a:rPr>
                                 <m:t>лучае</m:t>
                               </m:r>
                             </m:e>
@@ -5592,47 +5905,63 @@
                           <m:sSub>
                             <m:sSubPr>
                               <m:ctrlPr>
-                                <a:rPr lang="ru-RU" sz="2600" i="1"/>
+                                <a:rPr lang="ru-RU" sz="2600" i="1">
+                                  <a:latin typeface="Cambria Math" panose="02040503050406030204" pitchFamily="18" charset="0"/>
+                                </a:rPr>
                               </m:ctrlPr>
                             </m:sSubPr>
                             <m:e>
                               <m:r>
-                                <a:rPr lang="ru-RU" sz="2600" i="1"/>
+                                <a:rPr lang="ru-RU" sz="2600" i="1">
+                                  <a:latin typeface="Cambria Math" panose="02040503050406030204" pitchFamily="18" charset="0"/>
+                                </a:rPr>
                                 <m:t>𝑘</m:t>
                               </m:r>
                             </m:e>
                             <m:sub>
                               <m:r>
-                                <a:rPr lang="ru-RU" sz="2600" i="1"/>
+                                <a:rPr lang="ru-RU" sz="2600" i="1">
+                                  <a:latin typeface="Cambria Math" panose="02040503050406030204" pitchFamily="18" charset="0"/>
+                                </a:rPr>
                                 <m:t>2</m:t>
                               </m:r>
                             </m:sub>
                           </m:sSub>
                           <m:r>
-                            <a:rPr lang="ru-RU" sz="2600" i="1"/>
+                            <a:rPr lang="ru-RU" sz="2600" i="1">
+                              <a:latin typeface="Cambria Math" panose="02040503050406030204" pitchFamily="18" charset="0"/>
+                            </a:rPr>
                             <m:t>&gt;</m:t>
                           </m:r>
                           <m:sSub>
                             <m:sSubPr>
                               <m:ctrlPr>
-                                <a:rPr lang="ru-RU" sz="2600" i="1"/>
+                                <a:rPr lang="ru-RU" sz="2600" i="1">
+                                  <a:latin typeface="Cambria Math" panose="02040503050406030204" pitchFamily="18" charset="0"/>
+                                </a:rPr>
                               </m:ctrlPr>
                             </m:sSubPr>
                             <m:e>
                               <m:r>
-                                <a:rPr lang="ru-RU" sz="2600" i="1"/>
+                                <a:rPr lang="ru-RU" sz="2600" i="1">
+                                  <a:latin typeface="Cambria Math" panose="02040503050406030204" pitchFamily="18" charset="0"/>
+                                </a:rPr>
                                 <m:t>𝑘</m:t>
                               </m:r>
                             </m:e>
                             <m:sub>
                               <m:r>
-                                <a:rPr lang="ru-RU" sz="2600" i="1"/>
+                                <a:rPr lang="ru-RU" sz="2600" i="1">
+                                  <a:latin typeface="Cambria Math" panose="02040503050406030204" pitchFamily="18" charset="0"/>
+                                </a:rPr>
                                 <m:t>1</m:t>
                               </m:r>
                             </m:sub>
                           </m:sSub>
                           <m:r>
-                            <a:rPr lang="ru-RU" sz="2600" i="1"/>
+                            <a:rPr lang="ru-RU" sz="2600" i="1">
+                              <a:latin typeface="Cambria Math" panose="02040503050406030204" pitchFamily="18" charset="0"/>
+                            </a:rPr>
                             <m:t>≥1</m:t>
                           </m:r>
                           <m:r>
@@ -5666,10 +5995,10 @@
               </p:nvPr>
             </p:nvSpPr>
             <p:spPr>
-              <a:blipFill rotWithShape="1">
+              <a:blipFill rotWithShape="0">
                 <a:blip r:embed="rId2"/>
                 <a:stretch>
-                  <a:fillRect l="-1259" t="-2022"/>
+                  <a:fillRect l="-1111" t="-1078"/>
                 </a:stretch>
               </a:blipFill>
             </p:spPr>
@@ -5782,12 +6111,11 @@
               <a:rPr lang="ru-RU" dirty="0"/>
               <a:t>Порог фоновой части </a:t>
             </a:r>
-            <a:endParaRPr lang="ru-RU" dirty="0"/>
-          </a:p>
-        </p:txBody>
-      </p:sp>
-      <mc:AlternateContent xmlns:mc="http://schemas.openxmlformats.org/markup-compatibility/2006">
-        <mc:Choice xmlns:a14="http://schemas.microsoft.com/office/drawing/2010/main" Requires="a14">
+          </a:p>
+        </p:txBody>
+      </p:sp>
+      <mc:AlternateContent xmlns:mc="http://schemas.openxmlformats.org/markup-compatibility/2006" xmlns:a14="http://schemas.microsoft.com/office/drawing/2010/main">
+        <mc:Choice Requires="a14">
           <p:sp>
             <p:nvSpPr>
               <p:cNvPr id="3" name="Объект 2"/>
@@ -5821,7 +6149,7 @@
                         <m:endChr m:val="|"/>
                         <m:ctrlPr>
                           <a:rPr lang="ru-RU" sz="2500" i="1">
-                            <a:latin typeface="Cambria Math"/>
+                            <a:latin typeface="Cambria Math" panose="02040503050406030204" pitchFamily="18" charset="0"/>
                           </a:rPr>
                         </m:ctrlPr>
                       </m:dPr>
@@ -5830,7 +6158,7 @@
                           <m:sSubPr>
                             <m:ctrlPr>
                               <a:rPr lang="ru-RU" sz="2500" i="1">
-                                <a:latin typeface="Cambria Math"/>
+                                <a:latin typeface="Cambria Math" panose="02040503050406030204" pitchFamily="18" charset="0"/>
                               </a:rPr>
                             </m:ctrlPr>
                           </m:sSubPr>
@@ -5861,7 +6189,7 @@
                           <m:sSubPr>
                             <m:ctrlPr>
                               <a:rPr lang="ru-RU" sz="2500" i="1">
-                                <a:latin typeface="Cambria Math"/>
+                                <a:latin typeface="Cambria Math" panose="02040503050406030204" pitchFamily="18" charset="0"/>
                               </a:rPr>
                             </m:ctrlPr>
                           </m:sSubPr>
@@ -5918,19 +6246,23 @@
                       <m:sSubSupPr>
                         <m:ctrlPr>
                           <a:rPr lang="en-US" sz="2600" b="0" i="1" smtClean="0">
-                            <a:latin typeface="Cambria Math"/>
+                            <a:latin typeface="Cambria Math" panose="02040503050406030204" pitchFamily="18" charset="0"/>
                           </a:rPr>
                         </m:ctrlPr>
                       </m:sSubSupPr>
                       <m:e>
                         <m:r>
-                          <a:rPr lang="en-US" sz="2600" i="1"/>
+                          <a:rPr lang="en-US" sz="2600" i="1">
+                            <a:latin typeface="Cambria Math" panose="02040503050406030204" pitchFamily="18" charset="0"/>
+                          </a:rPr>
                           <m:t>𝐵</m:t>
                         </m:r>
                       </m:e>
                       <m:sub>
                         <m:r>
-                          <a:rPr lang="en-US" sz="2600" i="1"/>
+                          <a:rPr lang="en-US" sz="2600" i="1">
+                            <a:latin typeface="Cambria Math" panose="02040503050406030204" pitchFamily="18" charset="0"/>
+                          </a:rPr>
                           <m:t>𝑡</m:t>
                         </m:r>
                       </m:sub>
@@ -5944,7 +6276,9 @@
                       </m:sup>
                     </m:sSubSup>
                     <m:r>
-                      <a:rPr lang="ru-RU" sz="2600" i="1"/>
+                      <a:rPr lang="ru-RU" sz="2600" i="1">
+                        <a:latin typeface="Cambria Math" panose="02040503050406030204" pitchFamily="18" charset="0"/>
+                      </a:rPr>
                       <m:t>=</m:t>
                     </m:r>
                     <m:d>
@@ -5952,42 +6286,56 @@
                         <m:begChr m:val="{"/>
                         <m:endChr m:val=""/>
                         <m:ctrlPr>
-                          <a:rPr lang="ru-RU" sz="2600" i="1"/>
+                          <a:rPr lang="ru-RU" sz="2600" i="1">
+                            <a:latin typeface="Cambria Math" panose="02040503050406030204" pitchFamily="18" charset="0"/>
+                          </a:rPr>
                         </m:ctrlPr>
                       </m:dPr>
                       <m:e>
                         <m:r>
-                          <a:rPr lang="ru-RU" sz="2600" i="1"/>
+                          <a:rPr lang="ru-RU" sz="2600" i="1">
+                            <a:latin typeface="Cambria Math" panose="02040503050406030204" pitchFamily="18" charset="0"/>
+                          </a:rPr>
                           <m:t> </m:t>
                         </m:r>
                         <m:eqArr>
                           <m:eqArrPr>
                             <m:ctrlPr>
-                              <a:rPr lang="ru-RU" sz="2600" i="1"/>
+                              <a:rPr lang="ru-RU" sz="2600" i="1">
+                                <a:latin typeface="Cambria Math" panose="02040503050406030204" pitchFamily="18" charset="0"/>
+                              </a:rPr>
                             </m:ctrlPr>
                           </m:eqArrPr>
                           <m:e>
                             <m:sSub>
                               <m:sSubPr>
                                 <m:ctrlPr>
-                                  <a:rPr lang="ru-RU" sz="2600" i="1"/>
+                                  <a:rPr lang="ru-RU" sz="2600" i="1">
+                                    <a:latin typeface="Cambria Math" panose="02040503050406030204" pitchFamily="18" charset="0"/>
+                                  </a:rPr>
                                 </m:ctrlPr>
                               </m:sSubPr>
                               <m:e>
                                 <m:r>
-                                  <a:rPr lang="ru-RU" sz="2600" i="1"/>
+                                  <a:rPr lang="ru-RU" sz="2600" i="1">
+                                    <a:latin typeface="Cambria Math" panose="02040503050406030204" pitchFamily="18" charset="0"/>
+                                  </a:rPr>
                                   <m:t>𝐵</m:t>
                                 </m:r>
                               </m:e>
                               <m:sub>
                                 <m:r>
-                                  <a:rPr lang="ru-RU" sz="2600" i="1"/>
+                                  <a:rPr lang="ru-RU" sz="2600" i="1">
+                                    <a:latin typeface="Cambria Math" panose="02040503050406030204" pitchFamily="18" charset="0"/>
+                                  </a:rPr>
                                   <m:t>𝑡</m:t>
                                 </m:r>
                               </m:sub>
                             </m:sSub>
                             <m:r>
-                              <a:rPr lang="ru-RU" sz="2600" i="1"/>
+                              <a:rPr lang="ru-RU" sz="2600" i="1">
+                                <a:latin typeface="Cambria Math" panose="02040503050406030204" pitchFamily="18" charset="0"/>
+                              </a:rPr>
                               <m:t>, </m:t>
                             </m:r>
                             <m:r>
@@ -6001,37 +6349,49 @@
                                 <m:begChr m:val="|"/>
                                 <m:endChr m:val="|"/>
                                 <m:ctrlPr>
-                                  <a:rPr lang="ru-RU" sz="2600" i="1"/>
+                                  <a:rPr lang="ru-RU" sz="2600" i="1">
+                                    <a:latin typeface="Cambria Math" panose="02040503050406030204" pitchFamily="18" charset="0"/>
+                                  </a:rPr>
                                 </m:ctrlPr>
                               </m:dPr>
                               <m:e>
                                 <m:sSub>
                                   <m:sSubPr>
                                     <m:ctrlPr>
-                                      <a:rPr lang="ru-RU" sz="2600" i="1"/>
+                                      <a:rPr lang="ru-RU" sz="2600" i="1">
+                                        <a:latin typeface="Cambria Math" panose="02040503050406030204" pitchFamily="18" charset="0"/>
+                                      </a:rPr>
                                     </m:ctrlPr>
                                   </m:sSubPr>
                                   <m:e>
                                     <m:r>
-                                      <a:rPr lang="en-US" sz="2600" i="1"/>
+                                      <a:rPr lang="en-US" sz="2600" i="1">
+                                        <a:latin typeface="Cambria Math" panose="02040503050406030204" pitchFamily="18" charset="0"/>
+                                      </a:rPr>
                                       <m:t>𝐼</m:t>
                                     </m:r>
                                   </m:e>
                                   <m:sub>
                                     <m:r>
-                                      <a:rPr lang="en-US" sz="2600" i="1"/>
+                                      <a:rPr lang="en-US" sz="2600" i="1">
+                                        <a:latin typeface="Cambria Math" panose="02040503050406030204" pitchFamily="18" charset="0"/>
+                                      </a:rPr>
                                       <m:t>𝑡</m:t>
                                     </m:r>
                                   </m:sub>
                                 </m:sSub>
                                 <m:r>
-                                  <a:rPr lang="ru-RU" sz="2600" i="1"/>
+                                  <a:rPr lang="ru-RU" sz="2600" i="1">
+                                    <a:latin typeface="Cambria Math" panose="02040503050406030204" pitchFamily="18" charset="0"/>
+                                  </a:rPr>
                                   <m:t>−</m:t>
                                 </m:r>
                                 <m:sSub>
                                   <m:sSubPr>
                                     <m:ctrlPr>
-                                      <a:rPr lang="ru-RU" sz="2600" i="1"/>
+                                      <a:rPr lang="ru-RU" sz="2600" i="1">
+                                        <a:latin typeface="Cambria Math" panose="02040503050406030204" pitchFamily="18" charset="0"/>
+                                      </a:rPr>
                                     </m:ctrlPr>
                                   </m:sSubPr>
                                   <m:e>
@@ -6044,7 +6404,9 @@
                                   </m:e>
                                   <m:sub>
                                     <m:r>
-                                      <a:rPr lang="ru-RU" sz="2600" i="1"/>
+                                      <a:rPr lang="ru-RU" sz="2600" i="1">
+                                        <a:latin typeface="Cambria Math" panose="02040503050406030204" pitchFamily="18" charset="0"/>
+                                      </a:rPr>
                                       <m:t>𝑡</m:t>
                                     </m:r>
                                   </m:sub>
@@ -6052,11 +6414,15 @@
                               </m:e>
                             </m:d>
                             <m:r>
-                              <a:rPr lang="ru-RU" sz="2600" i="1"/>
+                              <a:rPr lang="ru-RU" sz="2600" i="1">
+                                <a:latin typeface="Cambria Math" panose="02040503050406030204" pitchFamily="18" charset="0"/>
+                              </a:rPr>
                               <m:t>≥</m:t>
                             </m:r>
                             <m:r>
-                              <a:rPr lang="ru-RU" sz="2600" i="1"/>
+                              <a:rPr lang="ru-RU" sz="2600" i="1">
+                                <a:latin typeface="Cambria Math" panose="02040503050406030204" pitchFamily="18" charset="0"/>
+                              </a:rPr>
                               <m:t>𝜔</m:t>
                             </m:r>
                             <m:r>
@@ -6068,7 +6434,9 @@
                           </m:e>
                           <m:e>
                             <m:r>
-                              <a:rPr lang="ru-RU" sz="2600" i="1"/>
+                              <a:rPr lang="ru-RU" sz="2600" i="1">
+                                <a:latin typeface="Cambria Math" panose="02040503050406030204" pitchFamily="18" charset="0"/>
+                              </a:rPr>
                               <m:t>0</m:t>
                             </m:r>
                             <m:r>
@@ -6078,7 +6446,9 @@
                               <m:t>,  </m:t>
                             </m:r>
                             <m:r>
-                              <a:rPr lang="en-US" sz="2600" i="1"/>
+                              <a:rPr lang="en-US" sz="2600" i="1">
+                                <a:latin typeface="Cambria Math" panose="02040503050406030204" pitchFamily="18" charset="0"/>
+                              </a:rPr>
                               <m:t>в противном случае</m:t>
                             </m:r>
                           </m:e>
@@ -6098,7 +6468,7 @@
             </p:txBody>
           </p:sp>
         </mc:Choice>
-        <mc:Fallback>
+        <mc:Fallback xmlns="">
           <p:sp>
             <p:nvSpPr>
               <p:cNvPr id="3" name="Объект 2"/>
@@ -6421,7 +6791,12 @@
             <p:ph type="title"/>
           </p:nvPr>
         </p:nvSpPr>
-        <p:spPr/>
+        <p:spPr>
+          <a:xfrm>
+            <a:off x="457200" y="629816"/>
+            <a:ext cx="8229600" cy="1143000"/>
+          </a:xfrm>
+        </p:spPr>
         <p:txBody>
           <a:bodyPr>
             <a:normAutofit fontScale="90000"/>
@@ -6436,26 +6811,319 @@
               <a:rPr lang="ru-RU" dirty="0" smtClean="0"/>
               <a:t>изображения</a:t>
             </a:r>
+            <a:r>
+              <a:rPr lang="ru-RU" dirty="0" smtClean="0"/>
+              <a:t/>
+            </a:r>
+            <a:br>
+              <a:rPr lang="ru-RU" dirty="0" smtClean="0"/>
+            </a:br>
             <a:endParaRPr lang="ru-RU" dirty="0"/>
           </a:p>
         </p:txBody>
       </p:sp>
-      <p:sp>
-        <p:nvSpPr>
-          <p:cNvPr id="3" name="Объект 2"/>
-          <p:cNvSpPr>
-            <a:spLocks noGrp="1"/>
-          </p:cNvSpPr>
+      <p:pic>
+        <p:nvPicPr>
+          <p:cNvPr id="4" name="Объект 3"/>
+          <p:cNvPicPr>
+            <a:picLocks noGrp="1" noChangeAspect="1"/>
+          </p:cNvPicPr>
           <p:nvPr>
             <p:ph idx="1"/>
           </p:nvPr>
-        </p:nvSpPr>
-        <p:spPr/>
-        <p:txBody>
-          <a:bodyPr/>
+        </p:nvPicPr>
+        <p:blipFill>
+          <a:blip r:embed="rId2">
+            <a:extLst>
+              <a:ext uri="{28A0092B-C50C-407E-A947-70E740481C1C}">
+                <a14:useLocalDpi xmlns:a14="http://schemas.microsoft.com/office/drawing/2010/main" val="0"/>
+              </a:ext>
+            </a:extLst>
+          </a:blip>
+          <a:stretch>
+            <a:fillRect/>
+          </a:stretch>
+        </p:blipFill>
+        <p:spPr>
+          <a:xfrm>
+            <a:off x="228489" y="3658198"/>
+            <a:ext cx="3956569" cy="2964326"/>
+          </a:xfrm>
+        </p:spPr>
+      </p:pic>
+      <p:sp>
+        <p:nvSpPr>
+          <p:cNvPr id="5" name="Стрелка вправо 4"/>
+          <p:cNvSpPr/>
+          <p:nvPr/>
+        </p:nvSpPr>
+        <p:spPr>
+          <a:xfrm>
+            <a:off x="4211960" y="4962360"/>
+            <a:ext cx="718721" cy="356002"/>
+          </a:xfrm>
+          <a:prstGeom prst="rightArrow">
+            <a:avLst/>
+          </a:prstGeom>
+        </p:spPr>
+        <p:style>
+          <a:lnRef idx="2">
+            <a:schemeClr val="dk1"/>
+          </a:lnRef>
+          <a:fillRef idx="1">
+            <a:schemeClr val="lt1"/>
+          </a:fillRef>
+          <a:effectRef idx="0">
+            <a:schemeClr val="dk1"/>
+          </a:effectRef>
+          <a:fontRef idx="minor">
+            <a:schemeClr val="dk1"/>
+          </a:fontRef>
+        </p:style>
+        <p:txBody>
+          <a:bodyPr rtlCol="0" anchor="ctr"/>
           <a:lstStyle/>
           <a:p>
+            <a:pPr algn="ctr"/>
             <a:endParaRPr lang="ru-RU"/>
+          </a:p>
+        </p:txBody>
+      </p:sp>
+      <p:pic>
+        <p:nvPicPr>
+          <p:cNvPr id="6" name="Рисунок 5"/>
+          <p:cNvPicPr>
+            <a:picLocks noChangeAspect="1"/>
+          </p:cNvPicPr>
+          <p:nvPr/>
+        </p:nvPicPr>
+        <p:blipFill>
+          <a:blip r:embed="rId3">
+            <a:extLst>
+              <a:ext uri="{28A0092B-C50C-407E-A947-70E740481C1C}">
+                <a14:useLocalDpi xmlns:a14="http://schemas.microsoft.com/office/drawing/2010/main" val="0"/>
+              </a:ext>
+            </a:extLst>
+          </a:blip>
+          <a:stretch>
+            <a:fillRect/>
+          </a:stretch>
+        </p:blipFill>
+        <p:spPr>
+          <a:xfrm>
+            <a:off x="4957583" y="3658198"/>
+            <a:ext cx="3934528" cy="2957043"/>
+          </a:xfrm>
+          <a:prstGeom prst="rect">
+            <a:avLst/>
+          </a:prstGeom>
+        </p:spPr>
+      </p:pic>
+      <p:sp>
+        <p:nvSpPr>
+          <p:cNvPr id="9" name="Объект 2"/>
+          <p:cNvSpPr txBox="1">
+            <a:spLocks/>
+          </p:cNvSpPr>
+          <p:nvPr/>
+        </p:nvSpPr>
+        <p:spPr>
+          <a:xfrm>
+            <a:off x="457200" y="2060848"/>
+            <a:ext cx="8229600" cy="1152127"/>
+          </a:xfrm>
+          <a:prstGeom prst="rect">
+            <a:avLst/>
+          </a:prstGeom>
+        </p:spPr>
+        <p:txBody>
+          <a:bodyPr vert="horz" lIns="91440" tIns="45720" rIns="91440" bIns="45720" rtlCol="0">
+            <a:normAutofit/>
+          </a:bodyPr>
+          <a:lstStyle>
+            <a:lvl1pPr marL="342900" indent="-342900" algn="l" defTabSz="914400" rtl="0" eaLnBrk="1" latinLnBrk="0" hangingPunct="1">
+              <a:spcBef>
+                <a:spcPct val="20000"/>
+              </a:spcBef>
+              <a:buFont typeface="Arial" pitchFamily="34" charset="0"/>
+              <a:buChar char="•"/>
+              <a:defRPr sz="3200" kern="1200">
+                <a:solidFill>
+                  <a:schemeClr val="tx1"/>
+                </a:solidFill>
+                <a:latin typeface="+mn-lt"/>
+                <a:ea typeface="+mn-ea"/>
+                <a:cs typeface="+mn-cs"/>
+              </a:defRPr>
+            </a:lvl1pPr>
+            <a:lvl2pPr marL="742950" indent="-285750" algn="l" defTabSz="914400" rtl="0" eaLnBrk="1" latinLnBrk="0" hangingPunct="1">
+              <a:spcBef>
+                <a:spcPct val="20000"/>
+              </a:spcBef>
+              <a:buFont typeface="Arial" pitchFamily="34" charset="0"/>
+              <a:buChar char="–"/>
+              <a:defRPr sz="2800" kern="1200">
+                <a:solidFill>
+                  <a:schemeClr val="tx1"/>
+                </a:solidFill>
+                <a:latin typeface="+mn-lt"/>
+                <a:ea typeface="+mn-ea"/>
+                <a:cs typeface="+mn-cs"/>
+              </a:defRPr>
+            </a:lvl2pPr>
+            <a:lvl3pPr marL="1143000" indent="-228600" algn="l" defTabSz="914400" rtl="0" eaLnBrk="1" latinLnBrk="0" hangingPunct="1">
+              <a:spcBef>
+                <a:spcPct val="20000"/>
+              </a:spcBef>
+              <a:buFont typeface="Arial" pitchFamily="34" charset="0"/>
+              <a:buChar char="•"/>
+              <a:defRPr sz="2400" kern="1200">
+                <a:solidFill>
+                  <a:schemeClr val="tx1"/>
+                </a:solidFill>
+                <a:latin typeface="+mn-lt"/>
+                <a:ea typeface="+mn-ea"/>
+                <a:cs typeface="+mn-cs"/>
+              </a:defRPr>
+            </a:lvl3pPr>
+            <a:lvl4pPr marL="1600200" indent="-228600" algn="l" defTabSz="914400" rtl="0" eaLnBrk="1" latinLnBrk="0" hangingPunct="1">
+              <a:spcBef>
+                <a:spcPct val="20000"/>
+              </a:spcBef>
+              <a:buFont typeface="Arial" pitchFamily="34" charset="0"/>
+              <a:buChar char="–"/>
+              <a:defRPr sz="2000" kern="1200">
+                <a:solidFill>
+                  <a:schemeClr val="tx1"/>
+                </a:solidFill>
+                <a:latin typeface="+mn-lt"/>
+                <a:ea typeface="+mn-ea"/>
+                <a:cs typeface="+mn-cs"/>
+              </a:defRPr>
+            </a:lvl4pPr>
+            <a:lvl5pPr marL="2057400" indent="-228600" algn="l" defTabSz="914400" rtl="0" eaLnBrk="1" latinLnBrk="0" hangingPunct="1">
+              <a:spcBef>
+                <a:spcPct val="20000"/>
+              </a:spcBef>
+              <a:buFont typeface="Arial" pitchFamily="34" charset="0"/>
+              <a:buChar char="»"/>
+              <a:defRPr sz="2000" kern="1200">
+                <a:solidFill>
+                  <a:schemeClr val="tx1"/>
+                </a:solidFill>
+                <a:latin typeface="+mn-lt"/>
+                <a:ea typeface="+mn-ea"/>
+                <a:cs typeface="+mn-cs"/>
+              </a:defRPr>
+            </a:lvl5pPr>
+            <a:lvl6pPr marL="2514600" indent="-228600" algn="l" defTabSz="914400" rtl="0" eaLnBrk="1" latinLnBrk="0" hangingPunct="1">
+              <a:spcBef>
+                <a:spcPct val="20000"/>
+              </a:spcBef>
+              <a:buFont typeface="Arial" pitchFamily="34" charset="0"/>
+              <a:buChar char="•"/>
+              <a:defRPr sz="2000" kern="1200">
+                <a:solidFill>
+                  <a:schemeClr val="tx1"/>
+                </a:solidFill>
+                <a:latin typeface="+mn-lt"/>
+                <a:ea typeface="+mn-ea"/>
+                <a:cs typeface="+mn-cs"/>
+              </a:defRPr>
+            </a:lvl6pPr>
+            <a:lvl7pPr marL="2971800" indent="-228600" algn="l" defTabSz="914400" rtl="0" eaLnBrk="1" latinLnBrk="0" hangingPunct="1">
+              <a:spcBef>
+                <a:spcPct val="20000"/>
+              </a:spcBef>
+              <a:buFont typeface="Arial" pitchFamily="34" charset="0"/>
+              <a:buChar char="•"/>
+              <a:defRPr sz="2000" kern="1200">
+                <a:solidFill>
+                  <a:schemeClr val="tx1"/>
+                </a:solidFill>
+                <a:latin typeface="+mn-lt"/>
+                <a:ea typeface="+mn-ea"/>
+                <a:cs typeface="+mn-cs"/>
+              </a:defRPr>
+            </a:lvl7pPr>
+            <a:lvl8pPr marL="3429000" indent="-228600" algn="l" defTabSz="914400" rtl="0" eaLnBrk="1" latinLnBrk="0" hangingPunct="1">
+              <a:spcBef>
+                <a:spcPct val="20000"/>
+              </a:spcBef>
+              <a:buFont typeface="Arial" pitchFamily="34" charset="0"/>
+              <a:buChar char="•"/>
+              <a:defRPr sz="2000" kern="1200">
+                <a:solidFill>
+                  <a:schemeClr val="tx1"/>
+                </a:solidFill>
+                <a:latin typeface="+mn-lt"/>
+                <a:ea typeface="+mn-ea"/>
+                <a:cs typeface="+mn-cs"/>
+              </a:defRPr>
+            </a:lvl8pPr>
+            <a:lvl9pPr marL="3886200" indent="-228600" algn="l" defTabSz="914400" rtl="0" eaLnBrk="1" latinLnBrk="0" hangingPunct="1">
+              <a:spcBef>
+                <a:spcPct val="20000"/>
+              </a:spcBef>
+              <a:buFont typeface="Arial" pitchFamily="34" charset="0"/>
+              <a:buChar char="•"/>
+              <a:defRPr sz="2000" kern="1200">
+                <a:solidFill>
+                  <a:schemeClr val="tx1"/>
+                </a:solidFill>
+                <a:latin typeface="+mn-lt"/>
+                <a:ea typeface="+mn-ea"/>
+                <a:cs typeface="+mn-cs"/>
+              </a:defRPr>
+            </a:lvl9pPr>
+          </a:lstStyle>
+          <a:p>
+            <a:r>
+              <a:rPr lang="ru-RU" sz="3000" dirty="0" smtClean="0"/>
+              <a:t>Морфологическая обработка </a:t>
+            </a:r>
+            <a:endParaRPr lang="en-US" sz="3000" dirty="0" smtClean="0"/>
+          </a:p>
+          <a:p>
+            <a:r>
+              <a:rPr lang="ru-RU" sz="3000" dirty="0" smtClean="0"/>
+              <a:t>Вычисление выпуклых оболочек</a:t>
+            </a:r>
+            <a:endParaRPr lang="ru-RU" sz="3000" dirty="0"/>
+          </a:p>
+        </p:txBody>
+      </p:sp>
+      <p:sp>
+        <p:nvSpPr>
+          <p:cNvPr id="10" name="TextBox 9"/>
+          <p:cNvSpPr txBox="1"/>
+          <p:nvPr/>
+        </p:nvSpPr>
+        <p:spPr>
+          <a:xfrm>
+            <a:off x="467544" y="1412776"/>
+            <a:ext cx="7128490" cy="584775"/>
+          </a:xfrm>
+          <a:prstGeom prst="rect">
+            <a:avLst/>
+          </a:prstGeom>
+          <a:noFill/>
+        </p:spPr>
+        <p:txBody>
+          <a:bodyPr wrap="none" rtlCol="0">
+            <a:spAutoFit/>
+          </a:bodyPr>
+          <a:lstStyle/>
+          <a:p>
+            <a:r>
+              <a:rPr lang="ru-RU" sz="3200" dirty="0"/>
+              <a:t>Повышение связности масок </a:t>
+            </a:r>
+            <a:r>
+              <a:rPr lang="ru-RU" sz="3200" dirty="0" smtClean="0"/>
+              <a:t>объектов:</a:t>
+            </a:r>
+            <a:endParaRPr lang="ru-RU" sz="3200" dirty="0"/>
           </a:p>
         </p:txBody>
       </p:sp>
@@ -6535,12 +7203,46 @@
             <p:ph idx="1"/>
           </p:nvPr>
         </p:nvSpPr>
-        <p:spPr/>
-        <p:txBody>
-          <a:bodyPr/>
+        <p:spPr>
+          <a:xfrm>
+            <a:off x="457200" y="1416412"/>
+            <a:ext cx="8229600" cy="3812788"/>
+          </a:xfrm>
+        </p:spPr>
+        <p:txBody>
+          <a:bodyPr>
+            <a:normAutofit/>
+          </a:bodyPr>
           <a:lstStyle/>
           <a:p>
-            <a:endParaRPr lang="ru-RU"/>
+            <a:r>
+              <a:rPr lang="ru-RU" dirty="0" smtClean="0"/>
+              <a:t>Инициализация объектов происходит только в узкой полосе, перед чертой</a:t>
+            </a:r>
+          </a:p>
+          <a:p>
+            <a:r>
+              <a:rPr lang="ru-RU" dirty="0" smtClean="0"/>
+              <a:t>Поиск объекта на новом кадре</a:t>
+            </a:r>
+            <a:r>
+              <a:rPr lang="en-US" dirty="0" smtClean="0"/>
+              <a:t> </a:t>
+            </a:r>
+            <a:r>
+              <a:rPr lang="ru-RU" dirty="0" smtClean="0"/>
+              <a:t>выполняется по ближайшему соседу</a:t>
+            </a:r>
+          </a:p>
+          <a:p>
+            <a:r>
+              <a:rPr lang="ru-RU" dirty="0" smtClean="0"/>
+              <a:t>При пересечении объектом черты инкрементируется счетчик, слежение за этим объектом не продолжается</a:t>
+            </a:r>
+            <a:endParaRPr lang="ru-RU" dirty="0" smtClean="0"/>
+          </a:p>
+          <a:p>
+            <a:endParaRPr lang="ru-RU" dirty="0"/>
           </a:p>
         </p:txBody>
       </p:sp>

--- a/Course Project.pptx
+++ b/Course Project.pptx
@@ -116,7 +116,7 @@
   </p:defaultTextStyle>
   <p:extLst>
     <p:ext uri="{EFAFB233-063F-42B5-8137-9DF3F51BA10A}">
-      <p15:sldGuideLst xmlns:p15="http://schemas.microsoft.com/office/powerpoint/2012/main">
+      <p15:sldGuideLst xmlns:p15="http://schemas.microsoft.com/office/powerpoint/2012/main" xmlns="">
         <p15:guide id="1" orient="horz" pos="2160">
           <p15:clr>
             <a:srgbClr val="A4A3A4"/>
@@ -3203,22 +3203,30 @@
           </p:cNvPicPr>
           <p:nvPr/>
         </p:nvPicPr>
-        <p:blipFill>
+        <p:blipFill rotWithShape="1">
           <a:blip r:embed="rId2">
             <a:extLst>
+              <a:ext uri="{BEBA8EAE-BF5A-486C-A8C5-ECC9F3942E4B}">
+                <a14:imgProps xmlns:a14="http://schemas.microsoft.com/office/drawing/2010/main">
+                  <a14:imgLayer r:embed="rId3">
+                    <a14:imgEffect>
+                      <a14:sharpenSoften amount="25000"/>
+                    </a14:imgEffect>
+                  </a14:imgLayer>
+                </a14:imgProps>
+              </a:ext>
               <a:ext uri="{28A0092B-C50C-407E-A947-70E740481C1C}">
                 <a14:useLocalDpi xmlns:a14="http://schemas.microsoft.com/office/drawing/2010/main" val="0"/>
               </a:ext>
             </a:extLst>
           </a:blip>
-          <a:stretch>
-            <a:fillRect/>
-          </a:stretch>
+          <a:srcRect b="2576"/>
+          <a:stretch/>
         </p:blipFill>
         <p:spPr>
           <a:xfrm>
-            <a:off x="1043608" y="1268760"/>
-            <a:ext cx="7183078" cy="5395738"/>
+            <a:off x="1439652" y="1556792"/>
+            <a:ext cx="6264696" cy="4584639"/>
           </a:xfrm>
           <a:prstGeom prst="rect">
             <a:avLst/>
@@ -3314,17 +3322,17 @@
           <a:p>
             <a:r>
               <a:rPr lang="ru-RU" dirty="0" smtClean="0"/>
-              <a:t>Всего найдено – 314/322 автомобилей</a:t>
-            </a:r>
+              <a:t>Всего найдено </a:t>
+            </a:r>
+            <a:r>
+              <a:rPr lang="ru-RU" dirty="0" smtClean="0"/>
+              <a:t>314/322 автомобилей. </a:t>
+            </a:r>
+            <a:endParaRPr lang="en-US" dirty="0"/>
+          </a:p>
+          <a:p>
             <a:r>
               <a:rPr lang="ru-RU" dirty="0"/>
-              <a:t> </a:t>
-            </a:r>
-            <a:endParaRPr lang="en-US" dirty="0"/>
-          </a:p>
-          <a:p>
-            <a:r>
-              <a:rPr lang="ru-RU" dirty="0" smtClean="0"/>
               <a:t>Набрано </a:t>
             </a:r>
             <a:r>
@@ -3333,7 +3341,11 @@
             </a:r>
             <a:r>
               <a:rPr lang="ru-RU" dirty="0" smtClean="0"/>
-              <a:t> очков</a:t>
+              <a:t> </a:t>
+            </a:r>
+            <a:r>
+              <a:rPr lang="ru-RU" dirty="0" smtClean="0"/>
+              <a:t>очков</a:t>
             </a:r>
             <a:r>
               <a:rPr lang="en-US" dirty="0" smtClean="0"/>
@@ -3341,7 +3353,11 @@
             </a:r>
             <a:r>
               <a:rPr lang="ru-RU" dirty="0" smtClean="0"/>
-              <a:t>окно - 200мс)</a:t>
+              <a:t>окно </a:t>
+            </a:r>
+            <a:r>
+              <a:rPr lang="ru-RU" dirty="0" smtClean="0"/>
+              <a:t>200мс).</a:t>
             </a:r>
             <a:endParaRPr lang="ru-RU" dirty="0" smtClean="0"/>
           </a:p>
@@ -3795,7 +3811,7 @@
                         <m:dPr>
                           <m:ctrlPr>
                             <a:rPr lang="en-US" b="0" i="1" smtClean="0">
-                              <a:latin typeface="Cambria Math" panose="02040503050406030204" pitchFamily="18" charset="0"/>
+                              <a:latin typeface="Cambria Math"/>
                             </a:rPr>
                           </m:ctrlPr>
                         </m:dPr>
@@ -3902,7 +3918,7 @@
                         <m:sSupPr>
                           <m:ctrlPr>
                             <a:rPr lang="en-US" b="0" i="1" smtClean="0">
-                              <a:latin typeface="Cambria Math" panose="02040503050406030204" pitchFamily="18" charset="0"/>
+                              <a:latin typeface="Cambria Math"/>
                             </a:rPr>
                           </m:ctrlPr>
                         </m:sSupPr>
@@ -3927,7 +3943,7 @@
                         <m:dPr>
                           <m:ctrlPr>
                             <a:rPr lang="en-US" b="0" i="1" smtClean="0">
-                              <a:latin typeface="Cambria Math" panose="02040503050406030204" pitchFamily="18" charset="0"/>
+                              <a:latin typeface="Cambria Math"/>
                             </a:rPr>
                           </m:ctrlPr>
                         </m:dPr>
@@ -4043,7 +4059,7 @@
                         <m:dPr>
                           <m:ctrlPr>
                             <a:rPr lang="en-US" b="0" i="1" smtClean="0">
-                              <a:latin typeface="Cambria Math" panose="02040503050406030204" pitchFamily="18" charset="0"/>
+                              <a:latin typeface="Cambria Math"/>
                             </a:rPr>
                           </m:ctrlPr>
                         </m:dPr>
@@ -4150,7 +4166,7 @@
                         <m:sSupPr>
                           <m:ctrlPr>
                             <a:rPr lang="en-US" b="0" i="1" smtClean="0">
-                              <a:latin typeface="Cambria Math" panose="02040503050406030204" pitchFamily="18" charset="0"/>
+                              <a:latin typeface="Cambria Math"/>
                             </a:rPr>
                           </m:ctrlPr>
                         </m:sSupPr>
@@ -4178,7 +4194,7 @@
                         <m:dPr>
                           <m:ctrlPr>
                             <a:rPr lang="en-US" b="0" i="1" smtClean="0">
-                              <a:latin typeface="Cambria Math" panose="02040503050406030204" pitchFamily="18" charset="0"/>
+                              <a:latin typeface="Cambria Math"/>
                             </a:rPr>
                           </m:ctrlPr>
                         </m:dPr>
@@ -4749,8 +4765,8 @@
           </a:p>
         </p:txBody>
       </p:sp>
-      <mc:AlternateContent xmlns:mc="http://schemas.openxmlformats.org/markup-compatibility/2006">
-        <mc:Choice xmlns:a14="http://schemas.microsoft.com/office/drawing/2010/main" Requires="a14">
+      <mc:AlternateContent xmlns:mc="http://schemas.openxmlformats.org/markup-compatibility/2006" xmlns:a14="http://schemas.microsoft.com/office/drawing/2010/main">
+        <mc:Choice Requires="a14">
           <p:sp>
             <p:nvSpPr>
               <p:cNvPr id="3" name="Объект 2"/>
@@ -4764,7 +4780,7 @@
             <p:spPr/>
             <p:txBody>
               <a:bodyPr>
-                <a:normAutofit fontScale="92500"/>
+                <a:normAutofit lnSpcReduction="10000"/>
               </a:bodyPr>
               <a:lstStyle/>
               <a:p>
@@ -4798,7 +4814,7 @@
                         <m:sSubPr>
                           <m:ctrlPr>
                             <a:rPr lang="ru-RU" sz="2600" i="1">
-                              <a:latin typeface="Cambria Math" panose="02040503050406030204" pitchFamily="18" charset="0"/>
+                              <a:latin typeface="Cambria Math"/>
                             </a:rPr>
                           </m:ctrlPr>
                         </m:sSubPr>
@@ -4829,7 +4845,7 @@
                         <m:dPr>
                           <m:ctrlPr>
                             <a:rPr lang="ru-RU" sz="2600" i="1">
-                              <a:latin typeface="Cambria Math" panose="02040503050406030204" pitchFamily="18" charset="0"/>
+                              <a:latin typeface="Cambria Math"/>
                             </a:rPr>
                           </m:ctrlPr>
                         </m:dPr>
@@ -4858,7 +4874,7 @@
                         <m:sSubPr>
                           <m:ctrlPr>
                             <a:rPr lang="ru-RU" sz="2600" i="1">
-                              <a:latin typeface="Cambria Math" panose="02040503050406030204" pitchFamily="18" charset="0"/>
+                              <a:latin typeface="Cambria Math"/>
                             </a:rPr>
                           </m:ctrlPr>
                         </m:sSubPr>
@@ -4915,7 +4931,7 @@
                           <m:endChr m:val="]"/>
                           <m:ctrlPr>
                             <a:rPr lang="ru-RU" sz="2600" i="1">
-                              <a:latin typeface="Cambria Math" panose="02040503050406030204" pitchFamily="18" charset="0"/>
+                              <a:latin typeface="Cambria Math"/>
                             </a:rPr>
                           </m:ctrlPr>
                         </m:dPr>
@@ -4924,7 +4940,7 @@
                             <m:sSubPr>
                               <m:ctrlPr>
                                 <a:rPr lang="ru-RU" sz="2600" i="1" smtClean="0">
-                                  <a:latin typeface="Cambria Math" panose="02040503050406030204" pitchFamily="18" charset="0"/>
+                                  <a:latin typeface="Cambria Math"/>
                                 </a:rPr>
                               </m:ctrlPr>
                             </m:sSubPr>
@@ -4955,7 +4971,7 @@
                             <m:sSubPr>
                               <m:ctrlPr>
                                 <a:rPr lang="ru-RU" sz="2600" i="1">
-                                  <a:latin typeface="Cambria Math" panose="02040503050406030204" pitchFamily="18" charset="0"/>
+                                  <a:latin typeface="Cambria Math"/>
                                 </a:rPr>
                               </m:ctrlPr>
                             </m:sSubPr>
@@ -5031,7 +5047,7 @@
                         <m:sSubPr>
                           <m:ctrlPr>
                             <a:rPr lang="ru-RU" sz="2600" i="1">
-                              <a:latin typeface="Cambria Math" panose="02040503050406030204" pitchFamily="18" charset="0"/>
+                              <a:latin typeface="Cambria Math"/>
                             </a:rPr>
                           </m:ctrlPr>
                         </m:sSubPr>
@@ -5062,7 +5078,7 @@
                         <m:dPr>
                           <m:ctrlPr>
                             <a:rPr lang="ru-RU" sz="2600" i="1">
-                              <a:latin typeface="Cambria Math" panose="02040503050406030204" pitchFamily="18" charset="0"/>
+                              <a:latin typeface="Cambria Math"/>
                             </a:rPr>
                           </m:ctrlPr>
                         </m:dPr>
@@ -5091,7 +5107,7 @@
                         <m:sSubPr>
                           <m:ctrlPr>
                             <a:rPr lang="ru-RU" sz="2600" i="1">
-                              <a:latin typeface="Cambria Math" panose="02040503050406030204" pitchFamily="18" charset="0"/>
+                              <a:latin typeface="Cambria Math"/>
                             </a:rPr>
                           </m:ctrlPr>
                         </m:sSubPr>
@@ -5148,7 +5164,7 @@
                           <m:endChr m:val="]"/>
                           <m:ctrlPr>
                             <a:rPr lang="ru-RU" sz="2600" i="1">
-                              <a:latin typeface="Cambria Math" panose="02040503050406030204" pitchFamily="18" charset="0"/>
+                              <a:latin typeface="Cambria Math"/>
                             </a:rPr>
                           </m:ctrlPr>
                         </m:dPr>
@@ -5159,7 +5175,7 @@
                               <m:endChr m:val="|"/>
                               <m:ctrlPr>
                                 <a:rPr lang="ru-RU" sz="2600" i="1">
-                                  <a:latin typeface="Cambria Math" panose="02040503050406030204" pitchFamily="18" charset="0"/>
+                                  <a:latin typeface="Cambria Math"/>
                                 </a:rPr>
                               </m:ctrlPr>
                             </m:dPr>
@@ -5168,7 +5184,7 @@
                                 <m:sSubPr>
                                   <m:ctrlPr>
                                     <a:rPr lang="ru-RU" sz="2600" i="1">
-                                      <a:latin typeface="Cambria Math" panose="02040503050406030204" pitchFamily="18" charset="0"/>
+                                      <a:latin typeface="Cambria Math"/>
                                     </a:rPr>
                                   </m:ctrlPr>
                                 </m:sSubPr>
@@ -5199,7 +5215,7 @@
                                 <m:sSubPr>
                                   <m:ctrlPr>
                                     <a:rPr lang="ru-RU" sz="2600" i="1">
-                                      <a:latin typeface="Cambria Math" panose="02040503050406030204" pitchFamily="18" charset="0"/>
+                                      <a:latin typeface="Cambria Math"/>
                                     </a:rPr>
                                   </m:ctrlPr>
                                 </m:sSubPr>
@@ -5232,7 +5248,7 @@
                             <m:sSubPr>
                               <m:ctrlPr>
                                 <a:rPr lang="ru-RU" sz="2600" i="1" smtClean="0">
-                                  <a:latin typeface="Cambria Math" panose="02040503050406030204" pitchFamily="18" charset="0"/>
+                                  <a:latin typeface="Cambria Math"/>
                                 </a:rPr>
                               </m:ctrlPr>
                             </m:sSubPr>
@@ -5306,7 +5322,7 @@
                           <m:endChr m:val="]"/>
                           <m:ctrlPr>
                             <a:rPr lang="ru-RU" sz="2600" i="1">
-                              <a:latin typeface="Cambria Math" panose="02040503050406030204" pitchFamily="18" charset="0"/>
+                              <a:latin typeface="Cambria Math"/>
                             </a:rPr>
                           </m:ctrlPr>
                         </m:dPr>
@@ -5315,7 +5331,7 @@
                             <m:sSubPr>
                               <m:ctrlPr>
                                 <a:rPr lang="ru-RU" sz="2600" i="1">
-                                  <a:latin typeface="Cambria Math" panose="02040503050406030204" pitchFamily="18" charset="0"/>
+                                  <a:latin typeface="Cambria Math"/>
                                 </a:rPr>
                               </m:ctrlPr>
                             </m:sSubPr>
@@ -5346,7 +5362,7 @@
                             <m:sSubPr>
                               <m:ctrlPr>
                                 <a:rPr lang="ru-RU" sz="2600" i="1">
-                                  <a:latin typeface="Cambria Math" panose="02040503050406030204" pitchFamily="18" charset="0"/>
+                                  <a:latin typeface="Cambria Math"/>
                                 </a:rPr>
                               </m:ctrlPr>
                             </m:sSubPr>
@@ -5387,7 +5403,7 @@
                           <m:endChr m:val=""/>
                           <m:ctrlPr>
                             <a:rPr lang="ru-RU" sz="2600" i="1">
-                              <a:latin typeface="Cambria Math" panose="02040503050406030204" pitchFamily="18" charset="0"/>
+                              <a:latin typeface="Cambria Math"/>
                             </a:rPr>
                           </m:ctrlPr>
                         </m:dPr>
@@ -5402,7 +5418,7 @@
                             <m:eqArrPr>
                               <m:ctrlPr>
                                 <a:rPr lang="ru-RU" sz="2600" i="1">
-                                  <a:latin typeface="Cambria Math" panose="02040503050406030204" pitchFamily="18" charset="0"/>
+                                  <a:latin typeface="Cambria Math"/>
                                 </a:rPr>
                               </m:ctrlPr>
                             </m:eqArrPr>
@@ -5411,7 +5427,7 @@
                                 <m:sSubPr>
                                   <m:ctrlPr>
                                     <a:rPr lang="ru-RU" sz="2600" i="1">
-                                      <a:latin typeface="Cambria Math" panose="02040503050406030204" pitchFamily="18" charset="0"/>
+                                      <a:latin typeface="Cambria Math"/>
                                     </a:rPr>
                                   </m:ctrlPr>
                                 </m:sSubPr>
@@ -5450,7 +5466,7 @@
                                   <m:endChr m:val="|"/>
                                   <m:ctrlPr>
                                     <a:rPr lang="en-US" sz="2600" b="0" i="1" smtClean="0">
-                                      <a:latin typeface="Cambria Math" panose="02040503050406030204" pitchFamily="18" charset="0"/>
+                                      <a:latin typeface="Cambria Math"/>
                                     </a:rPr>
                                   </m:ctrlPr>
                                 </m:dPr>
@@ -5459,7 +5475,7 @@
                                     <m:sSubPr>
                                       <m:ctrlPr>
                                         <a:rPr lang="ru-RU" sz="2600" i="1">
-                                          <a:latin typeface="Cambria Math" panose="02040503050406030204" pitchFamily="18" charset="0"/>
+                                          <a:latin typeface="Cambria Math"/>
                                         </a:rPr>
                                       </m:ctrlPr>
                                     </m:sSubPr>
@@ -5490,7 +5506,7 @@
                                     <m:sSubPr>
                                       <m:ctrlPr>
                                         <a:rPr lang="ru-RU" sz="2600" i="1">
-                                          <a:latin typeface="Cambria Math" panose="02040503050406030204" pitchFamily="18" charset="0"/>
+                                          <a:latin typeface="Cambria Math"/>
                                         </a:rPr>
                                       </m:ctrlPr>
                                     </m:sSubPr>
@@ -5529,7 +5545,7 @@
                                 <m:sSubPr>
                                   <m:ctrlPr>
                                     <a:rPr lang="en-US" sz="2600" b="0" i="1" smtClean="0">
-                                      <a:latin typeface="Cambria Math" panose="02040503050406030204" pitchFamily="18" charset="0"/>
+                                      <a:latin typeface="Cambria Math"/>
                                     </a:rPr>
                                   </m:ctrlPr>
                                 </m:sSubPr>
@@ -5554,7 +5570,7 @@
                                 <m:sSubPr>
                                   <m:ctrlPr>
                                     <a:rPr lang="ru-RU" sz="2600" i="1">
-                                      <a:latin typeface="Cambria Math" panose="02040503050406030204" pitchFamily="18" charset="0"/>
+                                      <a:latin typeface="Cambria Math"/>
                                     </a:rPr>
                                   </m:ctrlPr>
                                 </m:sSubPr>
@@ -5587,7 +5603,7 @@
                                 <m:sSubPr>
                                   <m:ctrlPr>
                                     <a:rPr lang="ru-RU" sz="2600" i="1">
-                                      <a:latin typeface="Cambria Math" panose="02040503050406030204" pitchFamily="18" charset="0"/>
+                                      <a:latin typeface="Cambria Math"/>
                                     </a:rPr>
                                   </m:ctrlPr>
                                 </m:sSubPr>
@@ -5678,7 +5694,7 @@
                         <m:sSubPr>
                           <m:ctrlPr>
                             <a:rPr lang="ru-RU" sz="2600" i="1">
-                              <a:latin typeface="Cambria Math" panose="02040503050406030204" pitchFamily="18" charset="0"/>
+                              <a:latin typeface="Cambria Math"/>
                             </a:rPr>
                           </m:ctrlPr>
                         </m:sSubPr>
@@ -5711,7 +5727,7 @@
                           <m:endChr m:val=""/>
                           <m:ctrlPr>
                             <a:rPr lang="ru-RU" sz="2600" i="1">
-                              <a:latin typeface="Cambria Math" panose="02040503050406030204" pitchFamily="18" charset="0"/>
+                              <a:latin typeface="Cambria Math"/>
                             </a:rPr>
                           </m:ctrlPr>
                         </m:dPr>
@@ -5720,7 +5736,7 @@
                             <m:eqArrPr>
                               <m:ctrlPr>
                                 <a:rPr lang="ru-RU" sz="2600" i="1">
-                                  <a:latin typeface="Cambria Math" panose="02040503050406030204" pitchFamily="18" charset="0"/>
+                                  <a:latin typeface="Cambria Math"/>
                                 </a:rPr>
                               </m:ctrlPr>
                             </m:eqArrPr>
@@ -5737,7 +5753,7 @@
                                   <m:endChr m:val="|"/>
                                   <m:ctrlPr>
                                     <a:rPr lang="ru-RU" sz="2600" i="1">
-                                      <a:latin typeface="Cambria Math" panose="02040503050406030204" pitchFamily="18" charset="0"/>
+                                      <a:latin typeface="Cambria Math"/>
                                     </a:rPr>
                                   </m:ctrlPr>
                                 </m:dPr>
@@ -5746,7 +5762,7 @@
                                     <m:sSubPr>
                                       <m:ctrlPr>
                                         <a:rPr lang="ru-RU" sz="2600" i="1">
-                                          <a:latin typeface="Cambria Math" panose="02040503050406030204" pitchFamily="18" charset="0"/>
+                                          <a:latin typeface="Cambria Math"/>
                                         </a:rPr>
                                       </m:ctrlPr>
                                     </m:sSubPr>
@@ -5777,7 +5793,7 @@
                                     <m:sSubPr>
                                       <m:ctrlPr>
                                         <a:rPr lang="ru-RU" sz="2600" i="1" smtClean="0">
-                                          <a:latin typeface="Cambria Math" panose="02040503050406030204" pitchFamily="18" charset="0"/>
+                                          <a:latin typeface="Cambria Math"/>
                                         </a:rPr>
                                       </m:ctrlPr>
                                     </m:sSubPr>
@@ -5810,7 +5826,7 @@
                                 <m:sSubPr>
                                   <m:ctrlPr>
                                     <a:rPr lang="ru-RU" sz="2600" i="1">
-                                      <a:latin typeface="Cambria Math" panose="02040503050406030204" pitchFamily="18" charset="0"/>
+                                      <a:latin typeface="Cambria Math"/>
                                     </a:rPr>
                                   </m:ctrlPr>
                                 </m:sSubPr>
@@ -5835,7 +5851,7 @@
                                 <m:sSubPr>
                                   <m:ctrlPr>
                                     <a:rPr lang="ru-RU" sz="2600" i="1">
-                                      <a:latin typeface="Cambria Math" panose="02040503050406030204" pitchFamily="18" charset="0"/>
+                                      <a:latin typeface="Cambria Math"/>
                                     </a:rPr>
                                   </m:ctrlPr>
                                 </m:sSubPr>
@@ -5906,7 +5922,7 @@
                             <m:sSubPr>
                               <m:ctrlPr>
                                 <a:rPr lang="ru-RU" sz="2600" i="1">
-                                  <a:latin typeface="Cambria Math" panose="02040503050406030204" pitchFamily="18" charset="0"/>
+                                  <a:latin typeface="Cambria Math"/>
                                 </a:rPr>
                               </m:ctrlPr>
                             </m:sSubPr>
@@ -5937,7 +5953,7 @@
                             <m:sSubPr>
                               <m:ctrlPr>
                                 <a:rPr lang="ru-RU" sz="2600" i="1">
-                                  <a:latin typeface="Cambria Math" panose="02040503050406030204" pitchFamily="18" charset="0"/>
+                                  <a:latin typeface="Cambria Math"/>
                                 </a:rPr>
                               </m:ctrlPr>
                             </m:sSubPr>
@@ -5983,7 +5999,7 @@
             </p:txBody>
           </p:sp>
         </mc:Choice>
-        <mc:Fallback>
+        <mc:Fallback xmlns="">
           <p:sp>
             <p:nvSpPr>
               <p:cNvPr id="3" name="Объект 2"/>
@@ -6114,8 +6130,8 @@
           </a:p>
         </p:txBody>
       </p:sp>
-      <mc:AlternateContent xmlns:mc="http://schemas.openxmlformats.org/markup-compatibility/2006" xmlns:a14="http://schemas.microsoft.com/office/drawing/2010/main">
-        <mc:Choice Requires="a14">
+      <mc:AlternateContent xmlns:mc="http://schemas.openxmlformats.org/markup-compatibility/2006">
+        <mc:Choice xmlns:a14="http://schemas.microsoft.com/office/drawing/2010/main" Requires="a14">
           <p:sp>
             <p:nvSpPr>
               <p:cNvPr id="3" name="Объект 2"/>
@@ -6133,6 +6149,11 @@
               </a:bodyPr>
               <a:lstStyle/>
               <a:p>
+                <a:pPr>
+                  <a:spcAft>
+                    <a:spcPts val="600"/>
+                  </a:spcAft>
+                </a:pPr>
                 <a:r>
                   <a:rPr lang="ru-RU" sz="2500" b="1" dirty="0" smtClean="0"/>
                   <a:t>Предположение: </a:t>
@@ -6149,7 +6170,7 @@
                         <m:endChr m:val="|"/>
                         <m:ctrlPr>
                           <a:rPr lang="ru-RU" sz="2500" i="1">
-                            <a:latin typeface="Cambria Math" panose="02040503050406030204" pitchFamily="18" charset="0"/>
+                            <a:latin typeface="Cambria Math"/>
                           </a:rPr>
                         </m:ctrlPr>
                       </m:dPr>
@@ -6158,7 +6179,7 @@
                           <m:sSubPr>
                             <m:ctrlPr>
                               <a:rPr lang="ru-RU" sz="2500" i="1">
-                                <a:latin typeface="Cambria Math" panose="02040503050406030204" pitchFamily="18" charset="0"/>
+                                <a:latin typeface="Cambria Math"/>
                               </a:rPr>
                             </m:ctrlPr>
                           </m:sSubPr>
@@ -6189,7 +6210,7 @@
                           <m:sSubPr>
                             <m:ctrlPr>
                               <a:rPr lang="ru-RU" sz="2500" i="1">
-                                <a:latin typeface="Cambria Math" panose="02040503050406030204" pitchFamily="18" charset="0"/>
+                                <a:latin typeface="Cambria Math"/>
                               </a:rPr>
                             </m:ctrlPr>
                           </m:sSubPr>
@@ -6246,7 +6267,7 @@
                       <m:sSubSupPr>
                         <m:ctrlPr>
                           <a:rPr lang="en-US" sz="2600" b="0" i="1" smtClean="0">
-                            <a:latin typeface="Cambria Math" panose="02040503050406030204" pitchFamily="18" charset="0"/>
+                            <a:latin typeface="Cambria Math"/>
                           </a:rPr>
                         </m:ctrlPr>
                       </m:sSubSupPr>
@@ -6287,7 +6308,7 @@
                         <m:endChr m:val=""/>
                         <m:ctrlPr>
                           <a:rPr lang="ru-RU" sz="2600" i="1">
-                            <a:latin typeface="Cambria Math" panose="02040503050406030204" pitchFamily="18" charset="0"/>
+                            <a:latin typeface="Cambria Math"/>
                           </a:rPr>
                         </m:ctrlPr>
                       </m:dPr>
@@ -6302,7 +6323,7 @@
                           <m:eqArrPr>
                             <m:ctrlPr>
                               <a:rPr lang="ru-RU" sz="2600" i="1">
-                                <a:latin typeface="Cambria Math" panose="02040503050406030204" pitchFamily="18" charset="0"/>
+                                <a:latin typeface="Cambria Math"/>
                               </a:rPr>
                             </m:ctrlPr>
                           </m:eqArrPr>
@@ -6311,7 +6332,7 @@
                               <m:sSubPr>
                                 <m:ctrlPr>
                                   <a:rPr lang="ru-RU" sz="2600" i="1">
-                                    <a:latin typeface="Cambria Math" panose="02040503050406030204" pitchFamily="18" charset="0"/>
+                                    <a:latin typeface="Cambria Math"/>
                                   </a:rPr>
                                 </m:ctrlPr>
                               </m:sSubPr>
@@ -6350,7 +6371,7 @@
                                 <m:endChr m:val="|"/>
                                 <m:ctrlPr>
                                   <a:rPr lang="ru-RU" sz="2600" i="1">
-                                    <a:latin typeface="Cambria Math" panose="02040503050406030204" pitchFamily="18" charset="0"/>
+                                    <a:latin typeface="Cambria Math"/>
                                   </a:rPr>
                                 </m:ctrlPr>
                               </m:dPr>
@@ -6359,7 +6380,7 @@
                                   <m:sSubPr>
                                     <m:ctrlPr>
                                       <a:rPr lang="ru-RU" sz="2600" i="1">
-                                        <a:latin typeface="Cambria Math" panose="02040503050406030204" pitchFamily="18" charset="0"/>
+                                        <a:latin typeface="Cambria Math"/>
                                       </a:rPr>
                                     </m:ctrlPr>
                                   </m:sSubPr>
@@ -6390,7 +6411,7 @@
                                   <m:sSubPr>
                                     <m:ctrlPr>
                                       <a:rPr lang="ru-RU" sz="2600" i="1">
-                                        <a:latin typeface="Cambria Math" panose="02040503050406030204" pitchFamily="18" charset="0"/>
+                                        <a:latin typeface="Cambria Math"/>
                                       </a:rPr>
                                     </m:ctrlPr>
                                   </m:sSubPr>
@@ -6468,7 +6489,7 @@
             </p:txBody>
           </p:sp>
         </mc:Choice>
-        <mc:Fallback xmlns="">
+        <mc:Fallback>
           <p:sp>
             <p:nvSpPr>
               <p:cNvPr id="3" name="Объект 2"/>
@@ -6811,10 +6832,6 @@
               <a:rPr lang="ru-RU" dirty="0" smtClean="0"/>
               <a:t>изображения</a:t>
             </a:r>
-            <a:r>
-              <a:rPr lang="ru-RU" dirty="0" smtClean="0"/>
-              <a:t/>
-            </a:r>
             <a:br>
               <a:rPr lang="ru-RU" dirty="0" smtClean="0"/>
             </a:br>
@@ -6846,8 +6863,8 @@
         </p:blipFill>
         <p:spPr>
           <a:xfrm>
-            <a:off x="228489" y="3658198"/>
-            <a:ext cx="3956569" cy="2964326"/>
+            <a:off x="539552" y="3391895"/>
+            <a:ext cx="3600000" cy="2697179"/>
           </a:xfrm>
         </p:spPr>
       </p:pic>
@@ -6859,7 +6876,7 @@
         </p:nvSpPr>
         <p:spPr>
           <a:xfrm>
-            <a:off x="4211960" y="4962360"/>
+            <a:off x="4234991" y="4562483"/>
             <a:ext cx="718721" cy="356002"/>
           </a:xfrm>
           <a:prstGeom prst="rightArrow">
@@ -6911,8 +6928,8 @@
         </p:blipFill>
         <p:spPr>
           <a:xfrm>
-            <a:off x="4957583" y="3658198"/>
-            <a:ext cx="3934528" cy="2957043"/>
+            <a:off x="5027079" y="3387672"/>
+            <a:ext cx="3600000" cy="2705624"/>
           </a:xfrm>
           <a:prstGeom prst="rect">
             <a:avLst/>
@@ -6929,7 +6946,7 @@
         </p:nvSpPr>
         <p:spPr>
           <a:xfrm>
-            <a:off x="457200" y="2060848"/>
+            <a:off x="457200" y="1988840"/>
             <a:ext cx="8229600" cy="1152127"/>
           </a:xfrm>
           <a:prstGeom prst="rect">
@@ -7080,14 +7097,27 @@
           <a:p>
             <a:r>
               <a:rPr lang="ru-RU" sz="3000" dirty="0" smtClean="0"/>
-              <a:t>Морфологическая обработка </a:t>
+              <a:t>Морфологическая </a:t>
+            </a:r>
+            <a:r>
+              <a:rPr lang="ru-RU" sz="3000" dirty="0" smtClean="0"/>
+              <a:t>обработка </a:t>
             </a:r>
             <a:endParaRPr lang="en-US" sz="3000" dirty="0" smtClean="0"/>
           </a:p>
           <a:p>
+            <a:pPr>
+              <a:spcBef>
+                <a:spcPts val="0"/>
+              </a:spcBef>
+            </a:pPr>
             <a:r>
               <a:rPr lang="ru-RU" sz="3000" dirty="0" smtClean="0"/>
-              <a:t>Вычисление выпуклых оболочек</a:t>
+              <a:t>Вычисление выпуклых </a:t>
+            </a:r>
+            <a:r>
+              <a:rPr lang="ru-RU" sz="3000" dirty="0" smtClean="0"/>
+              <a:t>оболочек</a:t>
             </a:r>
             <a:endParaRPr lang="ru-RU" sz="3000" dirty="0"/>
           </a:p>
@@ -7101,8 +7131,8 @@
         </p:nvSpPr>
         <p:spPr>
           <a:xfrm>
-            <a:off x="467544" y="1412776"/>
-            <a:ext cx="7128490" cy="584775"/>
+            <a:off x="467544" y="1484784"/>
+            <a:ext cx="7242304" cy="584775"/>
           </a:xfrm>
           <a:prstGeom prst="rect">
             <a:avLst/>
@@ -7116,14 +7146,14 @@
           <a:lstStyle/>
           <a:p>
             <a:r>
-              <a:rPr lang="ru-RU" sz="3200" dirty="0"/>
+              <a:rPr lang="ru-RU" sz="3200" b="1" dirty="0"/>
               <a:t>Повышение связности масок </a:t>
             </a:r>
             <a:r>
-              <a:rPr lang="ru-RU" sz="3200" dirty="0" smtClean="0"/>
+              <a:rPr lang="ru-RU" sz="3200" b="1" dirty="0" smtClean="0"/>
               <a:t>объектов:</a:t>
             </a:r>
-            <a:endParaRPr lang="ru-RU" sz="3200" dirty="0"/>
+            <a:endParaRPr lang="ru-RU" sz="3200" b="1" dirty="0"/>
           </a:p>
         </p:txBody>
       </p:sp>
@@ -7215,10 +7245,28 @@
           </a:bodyPr>
           <a:lstStyle/>
           <a:p>
+            <a:pPr>
+              <a:spcAft>
+                <a:spcPts val="600"/>
+              </a:spcAft>
+            </a:pPr>
+            <a:r>
+              <a:rPr lang="ru-RU" dirty="0"/>
+              <a:t>Начало слежения за </a:t>
+            </a:r>
             <a:r>
               <a:rPr lang="ru-RU" dirty="0" smtClean="0"/>
-              <a:t>Инициализация объектов происходит только в узкой полосе, перед чертой</a:t>
-            </a:r>
+              <a:t>объектом происходит </a:t>
+            </a:r>
+            <a:r>
+              <a:rPr lang="ru-RU" dirty="0" smtClean="0"/>
+              <a:t>только в узкой полосе, перед </a:t>
+            </a:r>
+            <a:r>
+              <a:rPr lang="ru-RU" dirty="0" smtClean="0"/>
+              <a:t>чертой.</a:t>
+            </a:r>
+            <a:endParaRPr lang="ru-RU" dirty="0" smtClean="0"/>
           </a:p>
           <a:p>
             <a:r>
@@ -7231,13 +7279,22 @@
             </a:r>
             <a:r>
               <a:rPr lang="ru-RU" dirty="0" smtClean="0"/>
-              <a:t>выполняется по ближайшему соседу</a:t>
-            </a:r>
-          </a:p>
-          <a:p>
+              <a:t>выполняется по ближайшему </a:t>
+            </a:r>
             <a:r>
               <a:rPr lang="ru-RU" dirty="0" smtClean="0"/>
-              <a:t>При пересечении объектом черты инкрементируется счетчик, слежение за этим объектом не продолжается</a:t>
+              <a:t>соседу.</a:t>
+            </a:r>
+            <a:endParaRPr lang="ru-RU" dirty="0" smtClean="0"/>
+          </a:p>
+          <a:p>
+            <a:r>
+              <a:rPr lang="ru-RU" dirty="0" smtClean="0"/>
+              <a:t>При пересечении объектом черты инкрементируется счетчик, слежение за этим объектом не </a:t>
+            </a:r>
+            <a:r>
+              <a:rPr lang="ru-RU" dirty="0" smtClean="0"/>
+              <a:t>продолжается.</a:t>
             </a:r>
             <a:endParaRPr lang="ru-RU" dirty="0" smtClean="0"/>
           </a:p>
